--- a/網頁設計稿.pptx
+++ b/網頁設計稿.pptx
@@ -10,6 +10,7 @@
     <p:sldId id="258" r:id="rId4"/>
     <p:sldId id="259" r:id="rId5"/>
     <p:sldId id="260" r:id="rId6"/>
+    <p:sldId id="261" r:id="rId7"/>
   </p:sldIdLst>
   <p:sldSz cx="6858000" cy="12192000"/>
   <p:notesSz cx="6858000" cy="9144000"/>
@@ -108,6 +109,11 @@
       </a:defRPr>
     </a:lvl9pPr>
   </p:defaultTextStyle>
+  <p:extLst>
+    <p:ext uri="{EFAFB233-063F-42B5-8137-9DF3F51BA10A}">
+      <p15:sldGuideLst xmlns:p15="http://schemas.microsoft.com/office/powerpoint/2012/main"/>
+    </p:ext>
+  </p:extLst>
 </p:presentation>
 </file>
 
@@ -153,7 +159,7 @@
           </a:lstStyle>
           <a:p>
             <a:r>
-              <a:rPr lang="zh-TW" altLang="en-US" smtClean="0"/>
+              <a:rPr lang="zh-TW" altLang="en-US"/>
               <a:t>按一下以編輯母片標題樣式</a:t>
             </a:r>
             <a:endParaRPr lang="en-US" dirty="0"/>
@@ -218,7 +224,7 @@
           </a:lstStyle>
           <a:p>
             <a:r>
-              <a:rPr lang="zh-TW" altLang="en-US" smtClean="0"/>
+              <a:rPr lang="zh-TW" altLang="en-US"/>
               <a:t>按一下以編輯母片副標題樣式</a:t>
             </a:r>
             <a:endParaRPr lang="en-US" dirty="0"/>
@@ -242,7 +248,7 @@
           <a:p>
             <a:fld id="{29F1A1C5-FB59-4BE0-A3A1-1A52B600C07D}" type="datetimeFigureOut">
               <a:rPr lang="zh-TW" altLang="en-US" smtClean="0"/>
-              <a:t>2019/12/5</a:t>
+              <a:t>2019/12/10</a:t>
             </a:fld>
             <a:endParaRPr lang="zh-TW" altLang="en-US"/>
           </a:p>
@@ -336,7 +342,7 @@
           <a:lstStyle/>
           <a:p>
             <a:r>
-              <a:rPr lang="zh-TW" altLang="en-US" smtClean="0"/>
+              <a:rPr lang="zh-TW" altLang="en-US"/>
               <a:t>按一下以編輯母片標題樣式</a:t>
             </a:r>
             <a:endParaRPr lang="en-US" dirty="0"/>
@@ -360,35 +366,35 @@
           <a:p>
             <a:pPr lvl="0"/>
             <a:r>
-              <a:rPr lang="zh-TW" altLang="en-US" smtClean="0"/>
+              <a:rPr lang="zh-TW" altLang="en-US"/>
               <a:t>編輯母片文字樣式</a:t>
             </a:r>
           </a:p>
           <a:p>
             <a:pPr lvl="1"/>
             <a:r>
-              <a:rPr lang="zh-TW" altLang="en-US" smtClean="0"/>
+              <a:rPr lang="zh-TW" altLang="en-US"/>
               <a:t>第二層</a:t>
             </a:r>
           </a:p>
           <a:p>
             <a:pPr lvl="2"/>
             <a:r>
-              <a:rPr lang="zh-TW" altLang="en-US" smtClean="0"/>
+              <a:rPr lang="zh-TW" altLang="en-US"/>
               <a:t>第三層</a:t>
             </a:r>
           </a:p>
           <a:p>
             <a:pPr lvl="3"/>
             <a:r>
-              <a:rPr lang="zh-TW" altLang="en-US" smtClean="0"/>
+              <a:rPr lang="zh-TW" altLang="en-US"/>
               <a:t>第四層</a:t>
             </a:r>
           </a:p>
           <a:p>
             <a:pPr lvl="4"/>
             <a:r>
-              <a:rPr lang="zh-TW" altLang="en-US" smtClean="0"/>
+              <a:rPr lang="zh-TW" altLang="en-US"/>
               <a:t>第五層</a:t>
             </a:r>
             <a:endParaRPr lang="en-US" dirty="0"/>
@@ -412,7 +418,7 @@
           <a:p>
             <a:fld id="{29F1A1C5-FB59-4BE0-A3A1-1A52B600C07D}" type="datetimeFigureOut">
               <a:rPr lang="zh-TW" altLang="en-US" smtClean="0"/>
-              <a:t>2019/12/5</a:t>
+              <a:t>2019/12/10</a:t>
             </a:fld>
             <a:endParaRPr lang="zh-TW" altLang="en-US"/>
           </a:p>
@@ -511,7 +517,7 @@
           <a:lstStyle/>
           <a:p>
             <a:r>
-              <a:rPr lang="zh-TW" altLang="en-US" smtClean="0"/>
+              <a:rPr lang="zh-TW" altLang="en-US"/>
               <a:t>按一下以編輯母片標題樣式</a:t>
             </a:r>
             <a:endParaRPr lang="en-US" dirty="0"/>
@@ -540,35 +546,35 @@
           <a:p>
             <a:pPr lvl="0"/>
             <a:r>
-              <a:rPr lang="zh-TW" altLang="en-US" smtClean="0"/>
+              <a:rPr lang="zh-TW" altLang="en-US"/>
               <a:t>編輯母片文字樣式</a:t>
             </a:r>
           </a:p>
           <a:p>
             <a:pPr lvl="1"/>
             <a:r>
-              <a:rPr lang="zh-TW" altLang="en-US" smtClean="0"/>
+              <a:rPr lang="zh-TW" altLang="en-US"/>
               <a:t>第二層</a:t>
             </a:r>
           </a:p>
           <a:p>
             <a:pPr lvl="2"/>
             <a:r>
-              <a:rPr lang="zh-TW" altLang="en-US" smtClean="0"/>
+              <a:rPr lang="zh-TW" altLang="en-US"/>
               <a:t>第三層</a:t>
             </a:r>
           </a:p>
           <a:p>
             <a:pPr lvl="3"/>
             <a:r>
-              <a:rPr lang="zh-TW" altLang="en-US" smtClean="0"/>
+              <a:rPr lang="zh-TW" altLang="en-US"/>
               <a:t>第四層</a:t>
             </a:r>
           </a:p>
           <a:p>
             <a:pPr lvl="4"/>
             <a:r>
-              <a:rPr lang="zh-TW" altLang="en-US" smtClean="0"/>
+              <a:rPr lang="zh-TW" altLang="en-US"/>
               <a:t>第五層</a:t>
             </a:r>
             <a:endParaRPr lang="en-US" dirty="0"/>
@@ -592,7 +598,7 @@
           <a:p>
             <a:fld id="{29F1A1C5-FB59-4BE0-A3A1-1A52B600C07D}" type="datetimeFigureOut">
               <a:rPr lang="zh-TW" altLang="en-US" smtClean="0"/>
-              <a:t>2019/12/5</a:t>
+              <a:t>2019/12/10</a:t>
             </a:fld>
             <a:endParaRPr lang="zh-TW" altLang="en-US"/>
           </a:p>
@@ -686,7 +692,7 @@
           <a:lstStyle/>
           <a:p>
             <a:r>
-              <a:rPr lang="zh-TW" altLang="en-US" smtClean="0"/>
+              <a:rPr lang="zh-TW" altLang="en-US"/>
               <a:t>按一下以編輯母片標題樣式</a:t>
             </a:r>
             <a:endParaRPr lang="en-US" dirty="0"/>
@@ -710,35 +716,35 @@
           <a:p>
             <a:pPr lvl="0"/>
             <a:r>
-              <a:rPr lang="zh-TW" altLang="en-US" smtClean="0"/>
+              <a:rPr lang="zh-TW" altLang="en-US"/>
               <a:t>編輯母片文字樣式</a:t>
             </a:r>
           </a:p>
           <a:p>
             <a:pPr lvl="1"/>
             <a:r>
-              <a:rPr lang="zh-TW" altLang="en-US" smtClean="0"/>
+              <a:rPr lang="zh-TW" altLang="en-US"/>
               <a:t>第二層</a:t>
             </a:r>
           </a:p>
           <a:p>
             <a:pPr lvl="2"/>
             <a:r>
-              <a:rPr lang="zh-TW" altLang="en-US" smtClean="0"/>
+              <a:rPr lang="zh-TW" altLang="en-US"/>
               <a:t>第三層</a:t>
             </a:r>
           </a:p>
           <a:p>
             <a:pPr lvl="3"/>
             <a:r>
-              <a:rPr lang="zh-TW" altLang="en-US" smtClean="0"/>
+              <a:rPr lang="zh-TW" altLang="en-US"/>
               <a:t>第四層</a:t>
             </a:r>
           </a:p>
           <a:p>
             <a:pPr lvl="4"/>
             <a:r>
-              <a:rPr lang="zh-TW" altLang="en-US" smtClean="0"/>
+              <a:rPr lang="zh-TW" altLang="en-US"/>
               <a:t>第五層</a:t>
             </a:r>
             <a:endParaRPr lang="en-US" dirty="0"/>
@@ -762,7 +768,7 @@
           <a:p>
             <a:fld id="{29F1A1C5-FB59-4BE0-A3A1-1A52B600C07D}" type="datetimeFigureOut">
               <a:rPr lang="zh-TW" altLang="en-US" smtClean="0"/>
-              <a:t>2019/12/5</a:t>
+              <a:t>2019/12/10</a:t>
             </a:fld>
             <a:endParaRPr lang="zh-TW" altLang="en-US"/>
           </a:p>
@@ -865,7 +871,7 @@
           </a:lstStyle>
           <a:p>
             <a:r>
-              <a:rPr lang="zh-TW" altLang="en-US" smtClean="0"/>
+              <a:rPr lang="zh-TW" altLang="en-US"/>
               <a:t>按一下以編輯母片標題樣式</a:t>
             </a:r>
             <a:endParaRPr lang="en-US" dirty="0"/>
@@ -983,7 +989,7 @@
           <a:p>
             <a:pPr lvl="0"/>
             <a:r>
-              <a:rPr lang="zh-TW" altLang="en-US" smtClean="0"/>
+              <a:rPr lang="zh-TW" altLang="en-US"/>
               <a:t>編輯母片文字樣式</a:t>
             </a:r>
           </a:p>
@@ -1006,7 +1012,7 @@
           <a:p>
             <a:fld id="{29F1A1C5-FB59-4BE0-A3A1-1A52B600C07D}" type="datetimeFigureOut">
               <a:rPr lang="zh-TW" altLang="en-US" smtClean="0"/>
-              <a:t>2019/12/5</a:t>
+              <a:t>2019/12/10</a:t>
             </a:fld>
             <a:endParaRPr lang="zh-TW" altLang="en-US"/>
           </a:p>
@@ -1100,7 +1106,7 @@
           <a:lstStyle/>
           <a:p>
             <a:r>
-              <a:rPr lang="zh-TW" altLang="en-US" smtClean="0"/>
+              <a:rPr lang="zh-TW" altLang="en-US"/>
               <a:t>按一下以編輯母片標題樣式</a:t>
             </a:r>
             <a:endParaRPr lang="en-US" dirty="0"/>
@@ -1129,35 +1135,35 @@
           <a:p>
             <a:pPr lvl="0"/>
             <a:r>
-              <a:rPr lang="zh-TW" altLang="en-US" smtClean="0"/>
+              <a:rPr lang="zh-TW" altLang="en-US"/>
               <a:t>編輯母片文字樣式</a:t>
             </a:r>
           </a:p>
           <a:p>
             <a:pPr lvl="1"/>
             <a:r>
-              <a:rPr lang="zh-TW" altLang="en-US" smtClean="0"/>
+              <a:rPr lang="zh-TW" altLang="en-US"/>
               <a:t>第二層</a:t>
             </a:r>
           </a:p>
           <a:p>
             <a:pPr lvl="2"/>
             <a:r>
-              <a:rPr lang="zh-TW" altLang="en-US" smtClean="0"/>
+              <a:rPr lang="zh-TW" altLang="en-US"/>
               <a:t>第三層</a:t>
             </a:r>
           </a:p>
           <a:p>
             <a:pPr lvl="3"/>
             <a:r>
-              <a:rPr lang="zh-TW" altLang="en-US" smtClean="0"/>
+              <a:rPr lang="zh-TW" altLang="en-US"/>
               <a:t>第四層</a:t>
             </a:r>
           </a:p>
           <a:p>
             <a:pPr lvl="4"/>
             <a:r>
-              <a:rPr lang="zh-TW" altLang="en-US" smtClean="0"/>
+              <a:rPr lang="zh-TW" altLang="en-US"/>
               <a:t>第五層</a:t>
             </a:r>
             <a:endParaRPr lang="en-US" dirty="0"/>
@@ -1186,35 +1192,35 @@
           <a:p>
             <a:pPr lvl="0"/>
             <a:r>
-              <a:rPr lang="zh-TW" altLang="en-US" smtClean="0"/>
+              <a:rPr lang="zh-TW" altLang="en-US"/>
               <a:t>編輯母片文字樣式</a:t>
             </a:r>
           </a:p>
           <a:p>
             <a:pPr lvl="1"/>
             <a:r>
-              <a:rPr lang="zh-TW" altLang="en-US" smtClean="0"/>
+              <a:rPr lang="zh-TW" altLang="en-US"/>
               <a:t>第二層</a:t>
             </a:r>
           </a:p>
           <a:p>
             <a:pPr lvl="2"/>
             <a:r>
-              <a:rPr lang="zh-TW" altLang="en-US" smtClean="0"/>
+              <a:rPr lang="zh-TW" altLang="en-US"/>
               <a:t>第三層</a:t>
             </a:r>
           </a:p>
           <a:p>
             <a:pPr lvl="3"/>
             <a:r>
-              <a:rPr lang="zh-TW" altLang="en-US" smtClean="0"/>
+              <a:rPr lang="zh-TW" altLang="en-US"/>
               <a:t>第四層</a:t>
             </a:r>
           </a:p>
           <a:p>
             <a:pPr lvl="4"/>
             <a:r>
-              <a:rPr lang="zh-TW" altLang="en-US" smtClean="0"/>
+              <a:rPr lang="zh-TW" altLang="en-US"/>
               <a:t>第五層</a:t>
             </a:r>
             <a:endParaRPr lang="en-US" dirty="0"/>
@@ -1238,7 +1244,7 @@
           <a:p>
             <a:fld id="{29F1A1C5-FB59-4BE0-A3A1-1A52B600C07D}" type="datetimeFigureOut">
               <a:rPr lang="zh-TW" altLang="en-US" smtClean="0"/>
-              <a:t>2019/12/5</a:t>
+              <a:t>2019/12/10</a:t>
             </a:fld>
             <a:endParaRPr lang="zh-TW" altLang="en-US"/>
           </a:p>
@@ -1337,7 +1343,7 @@
           <a:lstStyle/>
           <a:p>
             <a:r>
-              <a:rPr lang="zh-TW" altLang="en-US" smtClean="0"/>
+              <a:rPr lang="zh-TW" altLang="en-US"/>
               <a:t>按一下以編輯母片標題樣式</a:t>
             </a:r>
             <a:endParaRPr lang="en-US" dirty="0"/>
@@ -1403,7 +1409,7 @@
           <a:p>
             <a:pPr lvl="0"/>
             <a:r>
-              <a:rPr lang="zh-TW" altLang="en-US" smtClean="0"/>
+              <a:rPr lang="zh-TW" altLang="en-US"/>
               <a:t>編輯母片文字樣式</a:t>
             </a:r>
           </a:p>
@@ -1431,35 +1437,35 @@
           <a:p>
             <a:pPr lvl="0"/>
             <a:r>
-              <a:rPr lang="zh-TW" altLang="en-US" smtClean="0"/>
+              <a:rPr lang="zh-TW" altLang="en-US"/>
               <a:t>編輯母片文字樣式</a:t>
             </a:r>
           </a:p>
           <a:p>
             <a:pPr lvl="1"/>
             <a:r>
-              <a:rPr lang="zh-TW" altLang="en-US" smtClean="0"/>
+              <a:rPr lang="zh-TW" altLang="en-US"/>
               <a:t>第二層</a:t>
             </a:r>
           </a:p>
           <a:p>
             <a:pPr lvl="2"/>
             <a:r>
-              <a:rPr lang="zh-TW" altLang="en-US" smtClean="0"/>
+              <a:rPr lang="zh-TW" altLang="en-US"/>
               <a:t>第三層</a:t>
             </a:r>
           </a:p>
           <a:p>
             <a:pPr lvl="3"/>
             <a:r>
-              <a:rPr lang="zh-TW" altLang="en-US" smtClean="0"/>
+              <a:rPr lang="zh-TW" altLang="en-US"/>
               <a:t>第四層</a:t>
             </a:r>
           </a:p>
           <a:p>
             <a:pPr lvl="4"/>
             <a:r>
-              <a:rPr lang="zh-TW" altLang="en-US" smtClean="0"/>
+              <a:rPr lang="zh-TW" altLang="en-US"/>
               <a:t>第五層</a:t>
             </a:r>
             <a:endParaRPr lang="en-US" dirty="0"/>
@@ -1525,7 +1531,7 @@
           <a:p>
             <a:pPr lvl="0"/>
             <a:r>
-              <a:rPr lang="zh-TW" altLang="en-US" smtClean="0"/>
+              <a:rPr lang="zh-TW" altLang="en-US"/>
               <a:t>編輯母片文字樣式</a:t>
             </a:r>
           </a:p>
@@ -1553,35 +1559,35 @@
           <a:p>
             <a:pPr lvl="0"/>
             <a:r>
-              <a:rPr lang="zh-TW" altLang="en-US" smtClean="0"/>
+              <a:rPr lang="zh-TW" altLang="en-US"/>
               <a:t>編輯母片文字樣式</a:t>
             </a:r>
           </a:p>
           <a:p>
             <a:pPr lvl="1"/>
             <a:r>
-              <a:rPr lang="zh-TW" altLang="en-US" smtClean="0"/>
+              <a:rPr lang="zh-TW" altLang="en-US"/>
               <a:t>第二層</a:t>
             </a:r>
           </a:p>
           <a:p>
             <a:pPr lvl="2"/>
             <a:r>
-              <a:rPr lang="zh-TW" altLang="en-US" smtClean="0"/>
+              <a:rPr lang="zh-TW" altLang="en-US"/>
               <a:t>第三層</a:t>
             </a:r>
           </a:p>
           <a:p>
             <a:pPr lvl="3"/>
             <a:r>
-              <a:rPr lang="zh-TW" altLang="en-US" smtClean="0"/>
+              <a:rPr lang="zh-TW" altLang="en-US"/>
               <a:t>第四層</a:t>
             </a:r>
           </a:p>
           <a:p>
             <a:pPr lvl="4"/>
             <a:r>
-              <a:rPr lang="zh-TW" altLang="en-US" smtClean="0"/>
+              <a:rPr lang="zh-TW" altLang="en-US"/>
               <a:t>第五層</a:t>
             </a:r>
             <a:endParaRPr lang="en-US" dirty="0"/>
@@ -1605,7 +1611,7 @@
           <a:p>
             <a:fld id="{29F1A1C5-FB59-4BE0-A3A1-1A52B600C07D}" type="datetimeFigureOut">
               <a:rPr lang="zh-TW" altLang="en-US" smtClean="0"/>
-              <a:t>2019/12/5</a:t>
+              <a:t>2019/12/10</a:t>
             </a:fld>
             <a:endParaRPr lang="zh-TW" altLang="en-US"/>
           </a:p>
@@ -1699,7 +1705,7 @@
           <a:lstStyle/>
           <a:p>
             <a:r>
-              <a:rPr lang="zh-TW" altLang="en-US" smtClean="0"/>
+              <a:rPr lang="zh-TW" altLang="en-US"/>
               <a:t>按一下以編輯母片標題樣式</a:t>
             </a:r>
             <a:endParaRPr lang="en-US" dirty="0"/>
@@ -1723,7 +1729,7 @@
           <a:p>
             <a:fld id="{29F1A1C5-FB59-4BE0-A3A1-1A52B600C07D}" type="datetimeFigureOut">
               <a:rPr lang="zh-TW" altLang="en-US" smtClean="0"/>
-              <a:t>2019/12/5</a:t>
+              <a:t>2019/12/10</a:t>
             </a:fld>
             <a:endParaRPr lang="zh-TW" altLang="en-US"/>
           </a:p>
@@ -1818,7 +1824,7 @@
           <a:p>
             <a:fld id="{29F1A1C5-FB59-4BE0-A3A1-1A52B600C07D}" type="datetimeFigureOut">
               <a:rPr lang="zh-TW" altLang="en-US" smtClean="0"/>
-              <a:t>2019/12/5</a:t>
+              <a:t>2019/12/10</a:t>
             </a:fld>
             <a:endParaRPr lang="zh-TW" altLang="en-US"/>
           </a:p>
@@ -1921,7 +1927,7 @@
           </a:lstStyle>
           <a:p>
             <a:r>
-              <a:rPr lang="zh-TW" altLang="en-US" smtClean="0"/>
+              <a:rPr lang="zh-TW" altLang="en-US"/>
               <a:t>按一下以編輯母片標題樣式</a:t>
             </a:r>
             <a:endParaRPr lang="en-US" dirty="0"/>
@@ -1978,35 +1984,35 @@
           <a:p>
             <a:pPr lvl="0"/>
             <a:r>
-              <a:rPr lang="zh-TW" altLang="en-US" smtClean="0"/>
+              <a:rPr lang="zh-TW" altLang="en-US"/>
               <a:t>編輯母片文字樣式</a:t>
             </a:r>
           </a:p>
           <a:p>
             <a:pPr lvl="1"/>
             <a:r>
-              <a:rPr lang="zh-TW" altLang="en-US" smtClean="0"/>
+              <a:rPr lang="zh-TW" altLang="en-US"/>
               <a:t>第二層</a:t>
             </a:r>
           </a:p>
           <a:p>
             <a:pPr lvl="2"/>
             <a:r>
-              <a:rPr lang="zh-TW" altLang="en-US" smtClean="0"/>
+              <a:rPr lang="zh-TW" altLang="en-US"/>
               <a:t>第三層</a:t>
             </a:r>
           </a:p>
           <a:p>
             <a:pPr lvl="3"/>
             <a:r>
-              <a:rPr lang="zh-TW" altLang="en-US" smtClean="0"/>
+              <a:rPr lang="zh-TW" altLang="en-US"/>
               <a:t>第四層</a:t>
             </a:r>
           </a:p>
           <a:p>
             <a:pPr lvl="4"/>
             <a:r>
-              <a:rPr lang="zh-TW" altLang="en-US" smtClean="0"/>
+              <a:rPr lang="zh-TW" altLang="en-US"/>
               <a:t>第五層</a:t>
             </a:r>
             <a:endParaRPr lang="en-US" dirty="0"/>
@@ -2072,7 +2078,7 @@
           <a:p>
             <a:pPr lvl="0"/>
             <a:r>
-              <a:rPr lang="zh-TW" altLang="en-US" smtClean="0"/>
+              <a:rPr lang="zh-TW" altLang="en-US"/>
               <a:t>編輯母片文字樣式</a:t>
             </a:r>
           </a:p>
@@ -2095,7 +2101,7 @@
           <a:p>
             <a:fld id="{29F1A1C5-FB59-4BE0-A3A1-1A52B600C07D}" type="datetimeFigureOut">
               <a:rPr lang="zh-TW" altLang="en-US" smtClean="0"/>
-              <a:t>2019/12/5</a:t>
+              <a:t>2019/12/10</a:t>
             </a:fld>
             <a:endParaRPr lang="zh-TW" altLang="en-US"/>
           </a:p>
@@ -2198,7 +2204,7 @@
           </a:lstStyle>
           <a:p>
             <a:r>
-              <a:rPr lang="zh-TW" altLang="en-US" smtClean="0"/>
+              <a:rPr lang="zh-TW" altLang="en-US"/>
               <a:t>按一下以編輯母片標題樣式</a:t>
             </a:r>
             <a:endParaRPr lang="en-US" dirty="0"/>
@@ -2263,7 +2269,7 @@
           </a:lstStyle>
           <a:p>
             <a:r>
-              <a:rPr lang="zh-TW" altLang="en-US" smtClean="0"/>
+              <a:rPr lang="zh-TW" altLang="en-US"/>
               <a:t>按一下圖示以新增圖片</a:t>
             </a:r>
             <a:endParaRPr lang="en-US" dirty="0"/>
@@ -2329,7 +2335,7 @@
           <a:p>
             <a:pPr lvl="0"/>
             <a:r>
-              <a:rPr lang="zh-TW" altLang="en-US" smtClean="0"/>
+              <a:rPr lang="zh-TW" altLang="en-US"/>
               <a:t>編輯母片文字樣式</a:t>
             </a:r>
           </a:p>
@@ -2352,7 +2358,7 @@
           <a:p>
             <a:fld id="{29F1A1C5-FB59-4BE0-A3A1-1A52B600C07D}" type="datetimeFigureOut">
               <a:rPr lang="zh-TW" altLang="en-US" smtClean="0"/>
-              <a:t>2019/12/5</a:t>
+              <a:t>2019/12/10</a:t>
             </a:fld>
             <a:endParaRPr lang="zh-TW" altLang="en-US"/>
           </a:p>
@@ -2461,7 +2467,7 @@
           <a:lstStyle/>
           <a:p>
             <a:r>
-              <a:rPr lang="zh-TW" altLang="en-US" smtClean="0"/>
+              <a:rPr lang="zh-TW" altLang="en-US"/>
               <a:t>按一下以編輯母片標題樣式</a:t>
             </a:r>
             <a:endParaRPr lang="en-US" dirty="0"/>
@@ -2495,35 +2501,35 @@
           <a:p>
             <a:pPr lvl="0"/>
             <a:r>
-              <a:rPr lang="zh-TW" altLang="en-US" smtClean="0"/>
+              <a:rPr lang="zh-TW" altLang="en-US"/>
               <a:t>編輯母片文字樣式</a:t>
             </a:r>
           </a:p>
           <a:p>
             <a:pPr lvl="1"/>
             <a:r>
-              <a:rPr lang="zh-TW" altLang="en-US" smtClean="0"/>
+              <a:rPr lang="zh-TW" altLang="en-US"/>
               <a:t>第二層</a:t>
             </a:r>
           </a:p>
           <a:p>
             <a:pPr lvl="2"/>
             <a:r>
-              <a:rPr lang="zh-TW" altLang="en-US" smtClean="0"/>
+              <a:rPr lang="zh-TW" altLang="en-US"/>
               <a:t>第三層</a:t>
             </a:r>
           </a:p>
           <a:p>
             <a:pPr lvl="3"/>
             <a:r>
-              <a:rPr lang="zh-TW" altLang="en-US" smtClean="0"/>
+              <a:rPr lang="zh-TW" altLang="en-US"/>
               <a:t>第四層</a:t>
             </a:r>
           </a:p>
           <a:p>
             <a:pPr lvl="4"/>
             <a:r>
-              <a:rPr lang="zh-TW" altLang="en-US" smtClean="0"/>
+              <a:rPr lang="zh-TW" altLang="en-US"/>
               <a:t>第五層</a:t>
             </a:r>
             <a:endParaRPr lang="en-US" dirty="0"/>
@@ -2565,7 +2571,7 @@
           <a:p>
             <a:fld id="{29F1A1C5-FB59-4BE0-A3A1-1A52B600C07D}" type="datetimeFigureOut">
               <a:rPr lang="zh-TW" altLang="en-US" smtClean="0"/>
-              <a:t>2019/12/5</a:t>
+              <a:t>2019/12/10</a:t>
             </a:fld>
             <a:endParaRPr lang="zh-TW" altLang="en-US"/>
           </a:p>
@@ -3104,7 +3110,7 @@
         </p:nvSpPr>
         <p:spPr>
           <a:xfrm>
-            <a:off x="1730829" y="2988129"/>
+            <a:off x="1730828" y="2988128"/>
             <a:ext cx="1436915" cy="1436915"/>
           </a:xfrm>
           <a:prstGeom prst="rect">
@@ -3133,14 +3139,13 @@
           <a:p>
             <a:pPr algn="ctr"/>
             <a:r>
-              <a:rPr lang="en-US" altLang="zh-TW" dirty="0" smtClean="0"/>
+              <a:rPr lang="en-US" altLang="zh-TW" dirty="0"/>
               <a:t>div</a:t>
             </a:r>
             <a:r>
-              <a:rPr lang="zh-TW" altLang="en-US" dirty="0" smtClean="0"/>
+              <a:rPr lang="zh-TW" altLang="en-US" dirty="0"/>
               <a:t>商品</a:t>
             </a:r>
-            <a:endParaRPr lang="zh-TW" altLang="en-US" dirty="0"/>
           </a:p>
         </p:txBody>
       </p:sp>
@@ -3487,19 +3492,19 @@
           <a:lstStyle/>
           <a:p>
             <a:r>
-              <a:rPr lang="en-US" altLang="zh-TW" dirty="0" smtClean="0"/>
+              <a:rPr lang="en-US" altLang="zh-TW" dirty="0"/>
               <a:t>(</a:t>
             </a:r>
             <a:r>
-              <a:rPr lang="en-US" altLang="zh-TW" dirty="0" err="1" smtClean="0"/>
+              <a:rPr lang="en-US" altLang="zh-TW" dirty="0" err="1"/>
               <a:t>nav</a:t>
             </a:r>
             <a:r>
-              <a:rPr lang="zh-TW" altLang="en-US" dirty="0" smtClean="0"/>
+              <a:rPr lang="zh-TW" altLang="en-US" dirty="0"/>
               <a:t>導覽</a:t>
             </a:r>
             <a:r>
-              <a:rPr lang="en-US" altLang="zh-TW" dirty="0" smtClean="0"/>
+              <a:rPr lang="en-US" altLang="zh-TW" dirty="0"/>
               <a:t>)</a:t>
             </a:r>
             <a:endParaRPr lang="zh-TW" altLang="en-US" dirty="0"/>
@@ -3535,18 +3540,17 @@
           <a:p>
             <a:pPr algn="ctr"/>
             <a:r>
-              <a:rPr lang="zh-TW" altLang="en-US" dirty="0" smtClean="0"/>
+              <a:rPr lang="zh-TW" altLang="en-US" dirty="0"/>
               <a:t>登入</a:t>
             </a:r>
             <a:r>
-              <a:rPr lang="en-US" altLang="zh-TW" dirty="0" smtClean="0"/>
+              <a:rPr lang="en-US" altLang="zh-TW" dirty="0"/>
               <a:t>/</a:t>
             </a:r>
             <a:r>
-              <a:rPr lang="zh-TW" altLang="en-US" dirty="0" smtClean="0"/>
+              <a:rPr lang="zh-TW" altLang="en-US" dirty="0"/>
               <a:t>註冊</a:t>
             </a:r>
-            <a:endParaRPr lang="zh-TW" altLang="en-US" dirty="0"/>
           </a:p>
         </p:txBody>
       </p:sp>
@@ -3573,11 +3577,11 @@
           <a:lstStyle/>
           <a:p>
             <a:r>
-              <a:rPr lang="zh-TW" altLang="en-US" dirty="0" smtClean="0"/>
+              <a:rPr lang="zh-TW" altLang="en-US" dirty="0"/>
               <a:t>復活福利社</a:t>
             </a:r>
             <a:r>
-              <a:rPr lang="en-US" altLang="zh-TW" dirty="0" smtClean="0"/>
+              <a:rPr lang="en-US" altLang="zh-TW" dirty="0"/>
               <a:t>2.0</a:t>
             </a:r>
             <a:endParaRPr lang="zh-TW" altLang="en-US" dirty="0"/>
@@ -3607,15 +3611,15 @@
           <a:lstStyle/>
           <a:p>
             <a:r>
-              <a:rPr lang="en-US" altLang="zh-TW" dirty="0" smtClean="0"/>
+              <a:rPr lang="en-US" altLang="zh-TW" dirty="0"/>
               <a:t>(</a:t>
             </a:r>
             <a:r>
-              <a:rPr lang="zh-TW" altLang="en-US" dirty="0" smtClean="0"/>
+              <a:rPr lang="zh-TW" altLang="en-US" dirty="0"/>
               <a:t>推播 </a:t>
             </a:r>
             <a:r>
-              <a:rPr lang="en-US" altLang="zh-TW" dirty="0" smtClean="0"/>
+              <a:rPr lang="en-US" altLang="zh-TW" dirty="0"/>
               <a:t>banner)</a:t>
             </a:r>
             <a:endParaRPr lang="zh-TW" altLang="en-US" dirty="0"/>
@@ -3645,29 +3649,20 @@
           <a:lstStyle/>
           <a:p>
             <a:r>
-              <a:rPr lang="en-US" altLang="zh-TW" dirty="0" err="1" smtClean="0"/>
+              <a:rPr lang="en-US" altLang="zh-TW" dirty="0" err="1"/>
               <a:t>Nav</a:t>
             </a:r>
             <a:r>
               <a:rPr lang="zh-TW" altLang="en-US" dirty="0"/>
-              <a:t> </a:t>
-            </a:r>
-            <a:r>
-              <a:rPr lang="zh-TW" altLang="en-US" dirty="0" smtClean="0"/>
-              <a:t>導覽</a:t>
-            </a:r>
-            <a:r>
-              <a:rPr lang="en-US" altLang="zh-TW" dirty="0" smtClean="0"/>
-              <a:t/>
+              <a:t> 導覽</a:t>
             </a:r>
             <a:br>
-              <a:rPr lang="en-US" altLang="zh-TW" dirty="0" smtClean="0"/>
+              <a:rPr lang="en-US" altLang="zh-TW" dirty="0"/>
             </a:br>
             <a:r>
-              <a:rPr lang="zh-TW" altLang="en-US" dirty="0" smtClean="0"/>
+              <a:rPr lang="zh-TW" altLang="en-US" dirty="0"/>
               <a:t>已完成</a:t>
             </a:r>
-            <a:endParaRPr lang="zh-TW" altLang="en-US" dirty="0"/>
           </a:p>
         </p:txBody>
       </p:sp>
@@ -3711,18 +3706,13 @@
           <a:p>
             <a:pPr algn="ctr"/>
             <a:r>
-              <a:rPr lang="zh-TW" altLang="en-US" dirty="0" smtClean="0">
+              <a:rPr lang="zh-TW" altLang="en-US" dirty="0">
                 <a:solidFill>
                   <a:schemeClr val="tx1"/>
                 </a:solidFill>
               </a:rPr>
               <a:t>搜尋</a:t>
             </a:r>
-            <a:endParaRPr lang="zh-TW" altLang="en-US" dirty="0">
-              <a:solidFill>
-                <a:schemeClr val="tx1"/>
-              </a:solidFill>
-            </a:endParaRPr>
           </a:p>
         </p:txBody>
       </p:sp>
@@ -3766,18 +3756,117 @@
           <a:p>
             <a:pPr algn="ctr"/>
             <a:r>
-              <a:rPr lang="zh-TW" altLang="en-US" dirty="0" smtClean="0">
+              <a:rPr lang="zh-TW" altLang="en-US" dirty="0">
                 <a:solidFill>
                   <a:schemeClr val="tx1"/>
                 </a:solidFill>
               </a:rPr>
               <a:t>新增商品</a:t>
             </a:r>
-            <a:endParaRPr lang="zh-TW" altLang="en-US" dirty="0">
-              <a:solidFill>
-                <a:schemeClr val="tx1"/>
-              </a:solidFill>
-            </a:endParaRPr>
+          </a:p>
+        </p:txBody>
+      </p:sp>
+      <p:sp>
+        <p:nvSpPr>
+          <p:cNvPr id="2" name="矩形 1">
+            <a:extLst>
+              <a:ext uri="{FF2B5EF4-FFF2-40B4-BE49-F238E27FC236}">
+                <a16:creationId xmlns:a16="http://schemas.microsoft.com/office/drawing/2014/main" id="{B3CB0254-A76B-4033-96B7-8A0A393621A2}"/>
+              </a:ext>
+            </a:extLst>
+          </p:cNvPr>
+          <p:cNvSpPr/>
+          <p:nvPr/>
+        </p:nvSpPr>
+        <p:spPr>
+          <a:xfrm>
+            <a:off x="3690259" y="3098800"/>
+            <a:ext cx="1230991" cy="628650"/>
+          </a:xfrm>
+          <a:prstGeom prst="rect">
+            <a:avLst/>
+          </a:prstGeom>
+          <a:solidFill>
+            <a:srgbClr val="00B050"/>
+          </a:solidFill>
+          <a:ln>
+            <a:noFill/>
+          </a:ln>
+        </p:spPr>
+        <p:style>
+          <a:lnRef idx="2">
+            <a:schemeClr val="accent1">
+              <a:shade val="50000"/>
+            </a:schemeClr>
+          </a:lnRef>
+          <a:fillRef idx="1">
+            <a:schemeClr val="accent1"/>
+          </a:fillRef>
+          <a:effectRef idx="0">
+            <a:schemeClr val="accent1"/>
+          </a:effectRef>
+          <a:fontRef idx="minor">
+            <a:schemeClr val="lt1"/>
+          </a:fontRef>
+        </p:style>
+        <p:txBody>
+          <a:bodyPr rtlCol="0" anchor="ctr"/>
+          <a:lstStyle/>
+          <a:p>
+            <a:pPr algn="ctr"/>
+            <a:r>
+              <a:rPr lang="zh-TW" altLang="en-US" dirty="0"/>
+              <a:t>圖片</a:t>
+            </a:r>
+          </a:p>
+        </p:txBody>
+      </p:sp>
+      <p:sp>
+        <p:nvSpPr>
+          <p:cNvPr id="3" name="矩形 2">
+            <a:extLst>
+              <a:ext uri="{FF2B5EF4-FFF2-40B4-BE49-F238E27FC236}">
+                <a16:creationId xmlns:a16="http://schemas.microsoft.com/office/drawing/2014/main" id="{000B962E-0FB8-4D21-B15F-C39DFAE4E00B}"/>
+              </a:ext>
+            </a:extLst>
+          </p:cNvPr>
+          <p:cNvSpPr/>
+          <p:nvPr/>
+        </p:nvSpPr>
+        <p:spPr>
+          <a:xfrm>
+            <a:off x="3690258" y="3833364"/>
+            <a:ext cx="1180192" cy="399082"/>
+          </a:xfrm>
+          <a:prstGeom prst="rect">
+            <a:avLst/>
+          </a:prstGeom>
+        </p:spPr>
+        <p:style>
+          <a:lnRef idx="2">
+            <a:schemeClr val="accent1">
+              <a:shade val="50000"/>
+            </a:schemeClr>
+          </a:lnRef>
+          <a:fillRef idx="1">
+            <a:schemeClr val="accent1"/>
+          </a:fillRef>
+          <a:effectRef idx="0">
+            <a:schemeClr val="accent1"/>
+          </a:effectRef>
+          <a:fontRef idx="minor">
+            <a:schemeClr val="lt1"/>
+          </a:fontRef>
+        </p:style>
+        <p:txBody>
+          <a:bodyPr rtlCol="0" anchor="ctr"/>
+          <a:lstStyle/>
+          <a:p>
+            <a:pPr algn="ctr"/>
+            <a:r>
+              <a:rPr lang="zh-TW" altLang="en-US" dirty="0"/>
+              <a:t>內容</a:t>
+            </a:r>
           </a:p>
         </p:txBody>
       </p:sp>
@@ -3791,13 +3880,6 @@
   <p:clrMapOvr>
     <a:masterClrMapping/>
   </p:clrMapOvr>
-  <p:timing>
-    <p:tnLst>
-      <p:par>
-        <p:cTn id="1" dur="indefinite" restart="never" nodeType="tmRoot"/>
-      </p:par>
-    </p:tnLst>
-  </p:timing>
 </p:sld>
 </file>
 
@@ -3981,14 +4063,13 @@
           <a:p>
             <a:pPr algn="ctr"/>
             <a:r>
-              <a:rPr lang="en-US" altLang="zh-TW" dirty="0" smtClean="0"/>
+              <a:rPr lang="en-US" altLang="zh-TW" dirty="0"/>
               <a:t>div</a:t>
             </a:r>
             <a:r>
-              <a:rPr lang="zh-TW" altLang="en-US" dirty="0" smtClean="0"/>
+              <a:rPr lang="zh-TW" altLang="en-US" dirty="0"/>
               <a:t>商品</a:t>
             </a:r>
-            <a:endParaRPr lang="zh-TW" altLang="en-US" dirty="0"/>
           </a:p>
         </p:txBody>
       </p:sp>
@@ -4335,19 +4416,19 @@
           <a:lstStyle/>
           <a:p>
             <a:r>
-              <a:rPr lang="en-US" altLang="zh-TW" dirty="0" smtClean="0"/>
+              <a:rPr lang="en-US" altLang="zh-TW" dirty="0"/>
               <a:t>(</a:t>
             </a:r>
             <a:r>
-              <a:rPr lang="en-US" altLang="zh-TW" dirty="0" err="1" smtClean="0"/>
+              <a:rPr lang="en-US" altLang="zh-TW" dirty="0" err="1"/>
               <a:t>nav</a:t>
             </a:r>
             <a:r>
-              <a:rPr lang="zh-TW" altLang="en-US" dirty="0" smtClean="0"/>
+              <a:rPr lang="zh-TW" altLang="en-US" dirty="0"/>
               <a:t>導覽</a:t>
             </a:r>
             <a:r>
-              <a:rPr lang="en-US" altLang="zh-TW" dirty="0" smtClean="0"/>
+              <a:rPr lang="en-US" altLang="zh-TW" dirty="0"/>
               <a:t>)</a:t>
             </a:r>
             <a:endParaRPr lang="zh-TW" altLang="en-US" dirty="0"/>
@@ -4383,18 +4464,17 @@
           <a:p>
             <a:pPr algn="ctr"/>
             <a:r>
-              <a:rPr lang="zh-TW" altLang="en-US" dirty="0" smtClean="0"/>
+              <a:rPr lang="zh-TW" altLang="en-US" dirty="0"/>
               <a:t>登入</a:t>
             </a:r>
             <a:r>
-              <a:rPr lang="en-US" altLang="zh-TW" dirty="0" smtClean="0"/>
+              <a:rPr lang="en-US" altLang="zh-TW" dirty="0"/>
               <a:t>/</a:t>
             </a:r>
             <a:r>
-              <a:rPr lang="zh-TW" altLang="en-US" dirty="0" smtClean="0"/>
+              <a:rPr lang="zh-TW" altLang="en-US" dirty="0"/>
               <a:t>註冊</a:t>
             </a:r>
-            <a:endParaRPr lang="zh-TW" altLang="en-US" dirty="0"/>
           </a:p>
         </p:txBody>
       </p:sp>
@@ -4421,11 +4501,11 @@
           <a:lstStyle/>
           <a:p>
             <a:r>
-              <a:rPr lang="zh-TW" altLang="en-US" dirty="0" smtClean="0"/>
+              <a:rPr lang="zh-TW" altLang="en-US" dirty="0"/>
               <a:t>復活福利社</a:t>
             </a:r>
             <a:r>
-              <a:rPr lang="en-US" altLang="zh-TW" dirty="0" smtClean="0"/>
+              <a:rPr lang="en-US" altLang="zh-TW" dirty="0"/>
               <a:t>2.0</a:t>
             </a:r>
             <a:endParaRPr lang="zh-TW" altLang="en-US" dirty="0"/>
@@ -4455,15 +4535,15 @@
           <a:lstStyle/>
           <a:p>
             <a:r>
-              <a:rPr lang="en-US" altLang="zh-TW" dirty="0" smtClean="0"/>
+              <a:rPr lang="en-US" altLang="zh-TW" dirty="0"/>
               <a:t>(</a:t>
             </a:r>
             <a:r>
-              <a:rPr lang="zh-TW" altLang="en-US" dirty="0" smtClean="0"/>
+              <a:rPr lang="zh-TW" altLang="en-US" dirty="0"/>
               <a:t>推播 </a:t>
             </a:r>
             <a:r>
-              <a:rPr lang="en-US" altLang="zh-TW" dirty="0" smtClean="0"/>
+              <a:rPr lang="en-US" altLang="zh-TW" dirty="0"/>
               <a:t>banner)</a:t>
             </a:r>
             <a:endParaRPr lang="zh-TW" altLang="en-US" dirty="0"/>
@@ -4493,29 +4573,20 @@
           <a:lstStyle/>
           <a:p>
             <a:r>
-              <a:rPr lang="en-US" altLang="zh-TW" dirty="0" err="1" smtClean="0"/>
+              <a:rPr lang="en-US" altLang="zh-TW" dirty="0" err="1"/>
               <a:t>Nav</a:t>
             </a:r>
             <a:r>
               <a:rPr lang="zh-TW" altLang="en-US" dirty="0"/>
-              <a:t> </a:t>
-            </a:r>
-            <a:r>
-              <a:rPr lang="zh-TW" altLang="en-US" dirty="0" smtClean="0"/>
-              <a:t>導覽</a:t>
-            </a:r>
-            <a:r>
-              <a:rPr lang="en-US" altLang="zh-TW" dirty="0" smtClean="0"/>
-              <a:t/>
+              <a:t> 導覽</a:t>
             </a:r>
             <a:br>
-              <a:rPr lang="en-US" altLang="zh-TW" dirty="0" smtClean="0"/>
+              <a:rPr lang="en-US" altLang="zh-TW" dirty="0"/>
             </a:br>
             <a:r>
-              <a:rPr lang="zh-TW" altLang="en-US" dirty="0" smtClean="0"/>
+              <a:rPr lang="zh-TW" altLang="en-US" dirty="0"/>
               <a:t>已完成</a:t>
             </a:r>
-            <a:endParaRPr lang="zh-TW" altLang="en-US" dirty="0"/>
           </a:p>
         </p:txBody>
       </p:sp>
@@ -4527,8 +4598,8 @@
         </p:nvSpPr>
         <p:spPr>
           <a:xfrm>
-            <a:off x="1730829" y="3030302"/>
-            <a:ext cx="3690256" cy="4914900"/>
+            <a:off x="2024741" y="3478217"/>
+            <a:ext cx="3396344" cy="2422062"/>
           </a:xfrm>
           <a:prstGeom prst="rect">
             <a:avLst/>
@@ -4558,18 +4629,6 @@
           <a:lstStyle/>
           <a:p>
             <a:pPr algn="ctr"/>
-            <a:r>
-              <a:rPr lang="zh-TW" altLang="en-US" dirty="0" smtClean="0"/>
-              <a:t>登入</a:t>
-            </a:r>
-            <a:r>
-              <a:rPr lang="en-US" altLang="zh-TW" dirty="0" smtClean="0"/>
-              <a:t>/</a:t>
-            </a:r>
-            <a:r>
-              <a:rPr lang="zh-TW" altLang="en-US" dirty="0" smtClean="0"/>
-              <a:t>註冊</a:t>
-            </a:r>
             <a:endParaRPr lang="zh-TW" altLang="en-US" dirty="0"/>
           </a:p>
         </p:txBody>
@@ -4614,18 +4673,13 @@
           <a:p>
             <a:pPr algn="ctr"/>
             <a:r>
-              <a:rPr lang="zh-TW" altLang="en-US" dirty="0" smtClean="0">
+              <a:rPr lang="zh-TW" altLang="en-US" dirty="0">
                 <a:solidFill>
                   <a:schemeClr val="tx1"/>
                 </a:solidFill>
               </a:rPr>
               <a:t>搜尋</a:t>
             </a:r>
-            <a:endParaRPr lang="zh-TW" altLang="en-US" dirty="0">
-              <a:solidFill>
-                <a:schemeClr val="tx1"/>
-              </a:solidFill>
-            </a:endParaRPr>
           </a:p>
         </p:txBody>
       </p:sp>
@@ -4669,18 +4723,279 @@
           <a:p>
             <a:pPr algn="ctr"/>
             <a:r>
-              <a:rPr lang="zh-TW" altLang="en-US" dirty="0" smtClean="0">
+              <a:rPr lang="zh-TW" altLang="en-US" dirty="0">
                 <a:solidFill>
                   <a:schemeClr val="tx1"/>
                 </a:solidFill>
               </a:rPr>
               <a:t>新增商品</a:t>
             </a:r>
-            <a:endParaRPr lang="zh-TW" altLang="en-US" dirty="0">
-              <a:solidFill>
-                <a:schemeClr val="tx1"/>
-              </a:solidFill>
-            </a:endParaRPr>
+          </a:p>
+        </p:txBody>
+      </p:sp>
+      <p:sp>
+        <p:nvSpPr>
+          <p:cNvPr id="7" name="矩形 6">
+            <a:extLst>
+              <a:ext uri="{FF2B5EF4-FFF2-40B4-BE49-F238E27FC236}">
+                <a16:creationId xmlns:a16="http://schemas.microsoft.com/office/drawing/2014/main" id="{47E382A7-83A9-4BF3-848E-41C47D9097FB}"/>
+              </a:ext>
+            </a:extLst>
+          </p:cNvPr>
+          <p:cNvSpPr/>
+          <p:nvPr/>
+        </p:nvSpPr>
+        <p:spPr>
+          <a:xfrm>
+            <a:off x="2294163" y="5170483"/>
+            <a:ext cx="2857500" cy="469900"/>
+          </a:xfrm>
+          <a:prstGeom prst="rect">
+            <a:avLst/>
+          </a:prstGeom>
+        </p:spPr>
+        <p:style>
+          <a:lnRef idx="2">
+            <a:schemeClr val="accent1">
+              <a:shade val="50000"/>
+            </a:schemeClr>
+          </a:lnRef>
+          <a:fillRef idx="1">
+            <a:schemeClr val="accent1"/>
+          </a:fillRef>
+          <a:effectRef idx="0">
+            <a:schemeClr val="accent1"/>
+          </a:effectRef>
+          <a:fontRef idx="minor">
+            <a:schemeClr val="lt1"/>
+          </a:fontRef>
+        </p:style>
+        <p:txBody>
+          <a:bodyPr rtlCol="0" anchor="ctr"/>
+          <a:lstStyle/>
+          <a:p>
+            <a:pPr algn="ctr"/>
+            <a:r>
+              <a:rPr lang="zh-TW" altLang="en-US" dirty="0"/>
+              <a:t>登入</a:t>
+            </a:r>
+            <a:r>
+              <a:rPr lang="en-US" altLang="zh-TW" dirty="0"/>
+              <a:t>/</a:t>
+            </a:r>
+            <a:r>
+              <a:rPr lang="zh-TW" altLang="en-US" dirty="0"/>
+              <a:t>註冊</a:t>
+            </a:r>
+          </a:p>
+        </p:txBody>
+      </p:sp>
+      <p:sp>
+        <p:nvSpPr>
+          <p:cNvPr id="24" name="文字方塊 23">
+            <a:extLst>
+              <a:ext uri="{FF2B5EF4-FFF2-40B4-BE49-F238E27FC236}">
+                <a16:creationId xmlns:a16="http://schemas.microsoft.com/office/drawing/2014/main" id="{9592534C-8B89-45BF-9AA3-127F003F4CB8}"/>
+              </a:ext>
+            </a:extLst>
+          </p:cNvPr>
+          <p:cNvSpPr txBox="1"/>
+          <p:nvPr/>
+        </p:nvSpPr>
+        <p:spPr>
+          <a:xfrm>
+            <a:off x="2558141" y="4661909"/>
+            <a:ext cx="678544" cy="369332"/>
+          </a:xfrm>
+          <a:prstGeom prst="rect">
+            <a:avLst/>
+          </a:prstGeom>
+          <a:noFill/>
+        </p:spPr>
+        <p:txBody>
+          <a:bodyPr wrap="square" rtlCol="0">
+            <a:spAutoFit/>
+          </a:bodyPr>
+          <a:lstStyle/>
+          <a:p>
+            <a:r>
+              <a:rPr lang="zh-TW" altLang="en-US" dirty="0">
+                <a:solidFill>
+                  <a:schemeClr val="bg1"/>
+                </a:solidFill>
+              </a:rPr>
+              <a:t>密碼</a:t>
+            </a:r>
+          </a:p>
+        </p:txBody>
+      </p:sp>
+      <p:sp>
+        <p:nvSpPr>
+          <p:cNvPr id="25" name="文字方塊 24">
+            <a:extLst>
+              <a:ext uri="{FF2B5EF4-FFF2-40B4-BE49-F238E27FC236}">
+                <a16:creationId xmlns:a16="http://schemas.microsoft.com/office/drawing/2014/main" id="{1636BAA1-8CFD-4DFF-98FB-F8A27FC394FA}"/>
+              </a:ext>
+            </a:extLst>
+          </p:cNvPr>
+          <p:cNvSpPr txBox="1"/>
+          <p:nvPr/>
+        </p:nvSpPr>
+        <p:spPr>
+          <a:xfrm>
+            <a:off x="2558141" y="4171821"/>
+            <a:ext cx="678544" cy="369332"/>
+          </a:xfrm>
+          <a:prstGeom prst="rect">
+            <a:avLst/>
+          </a:prstGeom>
+          <a:noFill/>
+        </p:spPr>
+        <p:txBody>
+          <a:bodyPr wrap="square" rtlCol="0">
+            <a:spAutoFit/>
+          </a:bodyPr>
+          <a:lstStyle/>
+          <a:p>
+            <a:r>
+              <a:rPr lang="zh-TW" altLang="en-US" dirty="0">
+                <a:solidFill>
+                  <a:schemeClr val="bg1"/>
+                </a:solidFill>
+              </a:rPr>
+              <a:t>帳號</a:t>
+            </a:r>
+          </a:p>
+        </p:txBody>
+      </p:sp>
+      <p:sp>
+        <p:nvSpPr>
+          <p:cNvPr id="26" name="矩形 25">
+            <a:extLst>
+              <a:ext uri="{FF2B5EF4-FFF2-40B4-BE49-F238E27FC236}">
+                <a16:creationId xmlns:a16="http://schemas.microsoft.com/office/drawing/2014/main" id="{2921E266-30A4-4F5D-B7B7-42D7738E92D8}"/>
+              </a:ext>
+            </a:extLst>
+          </p:cNvPr>
+          <p:cNvSpPr/>
+          <p:nvPr/>
+        </p:nvSpPr>
+        <p:spPr>
+          <a:xfrm>
+            <a:off x="3282044" y="4208672"/>
+            <a:ext cx="1436915" cy="369332"/>
+          </a:xfrm>
+          <a:prstGeom prst="rect">
+            <a:avLst/>
+          </a:prstGeom>
+        </p:spPr>
+        <p:style>
+          <a:lnRef idx="2">
+            <a:schemeClr val="accent1">
+              <a:shade val="50000"/>
+            </a:schemeClr>
+          </a:lnRef>
+          <a:fillRef idx="1">
+            <a:schemeClr val="accent1"/>
+          </a:fillRef>
+          <a:effectRef idx="0">
+            <a:schemeClr val="accent1"/>
+          </a:effectRef>
+          <a:fontRef idx="minor">
+            <a:schemeClr val="lt1"/>
+          </a:fontRef>
+        </p:style>
+        <p:txBody>
+          <a:bodyPr rtlCol="0" anchor="ctr"/>
+          <a:lstStyle/>
+          <a:p>
+            <a:pPr algn="ctr"/>
+            <a:endParaRPr lang="zh-TW" altLang="en-US"/>
+          </a:p>
+        </p:txBody>
+      </p:sp>
+      <p:sp>
+        <p:nvSpPr>
+          <p:cNvPr id="27" name="矩形 26">
+            <a:extLst>
+              <a:ext uri="{FF2B5EF4-FFF2-40B4-BE49-F238E27FC236}">
+                <a16:creationId xmlns:a16="http://schemas.microsoft.com/office/drawing/2014/main" id="{8331E5C2-47EF-49C8-B260-815D8CF56252}"/>
+              </a:ext>
+            </a:extLst>
+          </p:cNvPr>
+          <p:cNvSpPr/>
+          <p:nvPr/>
+        </p:nvSpPr>
+        <p:spPr>
+          <a:xfrm>
+            <a:off x="3286580" y="4665416"/>
+            <a:ext cx="1436915" cy="369332"/>
+          </a:xfrm>
+          <a:prstGeom prst="rect">
+            <a:avLst/>
+          </a:prstGeom>
+        </p:spPr>
+        <p:style>
+          <a:lnRef idx="2">
+            <a:schemeClr val="accent1">
+              <a:shade val="50000"/>
+            </a:schemeClr>
+          </a:lnRef>
+          <a:fillRef idx="1">
+            <a:schemeClr val="accent1"/>
+          </a:fillRef>
+          <a:effectRef idx="0">
+            <a:schemeClr val="accent1"/>
+          </a:effectRef>
+          <a:fontRef idx="minor">
+            <a:schemeClr val="lt1"/>
+          </a:fontRef>
+        </p:style>
+        <p:txBody>
+          <a:bodyPr rtlCol="0" anchor="ctr"/>
+          <a:lstStyle/>
+          <a:p>
+            <a:pPr algn="ctr"/>
+            <a:endParaRPr lang="zh-TW" altLang="en-US"/>
+          </a:p>
+        </p:txBody>
+      </p:sp>
+      <p:sp>
+        <p:nvSpPr>
+          <p:cNvPr id="28" name="文字方塊 27">
+            <a:extLst>
+              <a:ext uri="{FF2B5EF4-FFF2-40B4-BE49-F238E27FC236}">
+                <a16:creationId xmlns:a16="http://schemas.microsoft.com/office/drawing/2014/main" id="{E020C0FF-6F4D-4A3F-AF7E-38DB5B47AD00}"/>
+              </a:ext>
+            </a:extLst>
+          </p:cNvPr>
+          <p:cNvSpPr txBox="1"/>
+          <p:nvPr/>
+        </p:nvSpPr>
+        <p:spPr>
+          <a:xfrm>
+            <a:off x="3139617" y="3756780"/>
+            <a:ext cx="1136655" cy="369332"/>
+          </a:xfrm>
+          <a:prstGeom prst="rect">
+            <a:avLst/>
+          </a:prstGeom>
+          <a:noFill/>
+        </p:spPr>
+        <p:txBody>
+          <a:bodyPr wrap="square" rtlCol="0">
+            <a:spAutoFit/>
+          </a:bodyPr>
+          <a:lstStyle/>
+          <a:p>
+            <a:r>
+              <a:rPr lang="zh-TW" altLang="en-US" dirty="0">
+                <a:solidFill>
+                  <a:schemeClr val="bg1"/>
+                </a:solidFill>
+              </a:rPr>
+              <a:t>會員登入</a:t>
+            </a:r>
           </a:p>
         </p:txBody>
       </p:sp>
@@ -4694,13 +5009,6 @@
   <p:clrMapOvr>
     <a:masterClrMapping/>
   </p:clrMapOvr>
-  <p:timing>
-    <p:tnLst>
-      <p:par>
-        <p:cTn id="1" dur="indefinite" restart="never" nodeType="tmRoot"/>
-      </p:par>
-    </p:tnLst>
-  </p:timing>
 </p:sld>
 </file>
 
@@ -4884,14 +5192,13 @@
           <a:p>
             <a:pPr algn="ctr"/>
             <a:r>
-              <a:rPr lang="en-US" altLang="zh-TW" dirty="0" smtClean="0"/>
+              <a:rPr lang="en-US" altLang="zh-TW" dirty="0"/>
               <a:t>div</a:t>
             </a:r>
             <a:r>
-              <a:rPr lang="zh-TW" altLang="en-US" dirty="0" smtClean="0"/>
+              <a:rPr lang="zh-TW" altLang="en-US" dirty="0"/>
               <a:t>商品</a:t>
             </a:r>
-            <a:endParaRPr lang="zh-TW" altLang="en-US" dirty="0"/>
           </a:p>
         </p:txBody>
       </p:sp>
@@ -5238,19 +5545,19 @@
           <a:lstStyle/>
           <a:p>
             <a:r>
-              <a:rPr lang="en-US" altLang="zh-TW" dirty="0" smtClean="0"/>
+              <a:rPr lang="en-US" altLang="zh-TW" dirty="0"/>
               <a:t>(</a:t>
             </a:r>
             <a:r>
-              <a:rPr lang="en-US" altLang="zh-TW" dirty="0" err="1" smtClean="0"/>
+              <a:rPr lang="en-US" altLang="zh-TW" dirty="0" err="1"/>
               <a:t>nav</a:t>
             </a:r>
             <a:r>
-              <a:rPr lang="zh-TW" altLang="en-US" dirty="0" smtClean="0"/>
+              <a:rPr lang="zh-TW" altLang="en-US" dirty="0"/>
               <a:t>導覽</a:t>
             </a:r>
             <a:r>
-              <a:rPr lang="en-US" altLang="zh-TW" dirty="0" smtClean="0"/>
+              <a:rPr lang="en-US" altLang="zh-TW" dirty="0"/>
               <a:t>)</a:t>
             </a:r>
             <a:endParaRPr lang="zh-TW" altLang="en-US" dirty="0"/>
@@ -5286,18 +5593,17 @@
           <a:p>
             <a:pPr algn="ctr"/>
             <a:r>
-              <a:rPr lang="zh-TW" altLang="en-US" dirty="0" smtClean="0"/>
+              <a:rPr lang="zh-TW" altLang="en-US" dirty="0"/>
               <a:t>登入</a:t>
             </a:r>
             <a:r>
-              <a:rPr lang="en-US" altLang="zh-TW" dirty="0" smtClean="0"/>
+              <a:rPr lang="en-US" altLang="zh-TW" dirty="0"/>
               <a:t>/</a:t>
             </a:r>
             <a:r>
-              <a:rPr lang="zh-TW" altLang="en-US" dirty="0" smtClean="0"/>
+              <a:rPr lang="zh-TW" altLang="en-US" dirty="0"/>
               <a:t>註冊</a:t>
             </a:r>
-            <a:endParaRPr lang="zh-TW" altLang="en-US" dirty="0"/>
           </a:p>
         </p:txBody>
       </p:sp>
@@ -5324,11 +5630,11 @@
           <a:lstStyle/>
           <a:p>
             <a:r>
-              <a:rPr lang="zh-TW" altLang="en-US" dirty="0" smtClean="0"/>
+              <a:rPr lang="zh-TW" altLang="en-US" dirty="0"/>
               <a:t>復活福利社</a:t>
             </a:r>
             <a:r>
-              <a:rPr lang="en-US" altLang="zh-TW" dirty="0" smtClean="0"/>
+              <a:rPr lang="en-US" altLang="zh-TW" dirty="0"/>
               <a:t>2.0</a:t>
             </a:r>
             <a:endParaRPr lang="zh-TW" altLang="en-US" dirty="0"/>
@@ -5358,15 +5664,15 @@
           <a:lstStyle/>
           <a:p>
             <a:r>
-              <a:rPr lang="en-US" altLang="zh-TW" dirty="0" smtClean="0"/>
+              <a:rPr lang="en-US" altLang="zh-TW" dirty="0"/>
               <a:t>(</a:t>
             </a:r>
             <a:r>
-              <a:rPr lang="zh-TW" altLang="en-US" dirty="0" smtClean="0"/>
+              <a:rPr lang="zh-TW" altLang="en-US" dirty="0"/>
               <a:t>推播 </a:t>
             </a:r>
             <a:r>
-              <a:rPr lang="en-US" altLang="zh-TW" dirty="0" smtClean="0"/>
+              <a:rPr lang="en-US" altLang="zh-TW" dirty="0"/>
               <a:t>banner)</a:t>
             </a:r>
             <a:endParaRPr lang="zh-TW" altLang="en-US" dirty="0"/>
@@ -5396,29 +5702,20 @@
           <a:lstStyle/>
           <a:p>
             <a:r>
-              <a:rPr lang="en-US" altLang="zh-TW" dirty="0" err="1" smtClean="0"/>
+              <a:rPr lang="en-US" altLang="zh-TW" dirty="0" err="1"/>
               <a:t>Nav</a:t>
             </a:r>
             <a:r>
               <a:rPr lang="zh-TW" altLang="en-US" dirty="0"/>
-              <a:t> </a:t>
-            </a:r>
-            <a:r>
-              <a:rPr lang="zh-TW" altLang="en-US" dirty="0" smtClean="0"/>
-              <a:t>導覽</a:t>
-            </a:r>
-            <a:r>
-              <a:rPr lang="en-US" altLang="zh-TW" dirty="0" smtClean="0"/>
-              <a:t/>
+              <a:t> 導覽</a:t>
             </a:r>
             <a:br>
-              <a:rPr lang="en-US" altLang="zh-TW" dirty="0" smtClean="0"/>
+              <a:rPr lang="en-US" altLang="zh-TW" dirty="0"/>
             </a:br>
             <a:r>
-              <a:rPr lang="zh-TW" altLang="en-US" dirty="0" smtClean="0"/>
+              <a:rPr lang="zh-TW" altLang="en-US" dirty="0"/>
               <a:t>已完成</a:t>
             </a:r>
-            <a:endParaRPr lang="zh-TW" altLang="en-US" dirty="0"/>
           </a:p>
         </p:txBody>
       </p:sp>
@@ -5462,18 +5759,13 @@
           <a:p>
             <a:pPr algn="ctr"/>
             <a:r>
-              <a:rPr lang="zh-TW" altLang="en-US" dirty="0" smtClean="0">
+              <a:rPr lang="zh-TW" altLang="en-US" dirty="0">
                 <a:solidFill>
                   <a:schemeClr val="tx1"/>
                 </a:solidFill>
               </a:rPr>
               <a:t>搜尋</a:t>
             </a:r>
-            <a:endParaRPr lang="zh-TW" altLang="en-US" dirty="0">
-              <a:solidFill>
-                <a:schemeClr val="tx1"/>
-              </a:solidFill>
-            </a:endParaRPr>
           </a:p>
         </p:txBody>
       </p:sp>
@@ -5517,18 +5809,13 @@
           <a:p>
             <a:pPr algn="ctr"/>
             <a:r>
-              <a:rPr lang="zh-TW" altLang="en-US" dirty="0" smtClean="0">
+              <a:rPr lang="zh-TW" altLang="en-US" dirty="0">
                 <a:solidFill>
                   <a:schemeClr val="tx1"/>
                 </a:solidFill>
               </a:rPr>
               <a:t>新增商品</a:t>
             </a:r>
-            <a:endParaRPr lang="zh-TW" altLang="en-US" dirty="0">
-              <a:solidFill>
-                <a:schemeClr val="tx1"/>
-              </a:solidFill>
-            </a:endParaRPr>
           </a:p>
         </p:txBody>
       </p:sp>
@@ -5540,8 +5827,8 @@
         </p:nvSpPr>
         <p:spPr>
           <a:xfrm>
-            <a:off x="1722665" y="3050723"/>
-            <a:ext cx="3690256" cy="4914900"/>
+            <a:off x="863600" y="3050723"/>
+            <a:ext cx="5504543" cy="3718377"/>
           </a:xfrm>
           <a:prstGeom prst="rect">
             <a:avLst/>
@@ -5574,26 +5861,40 @@
           <a:lstStyle/>
           <a:p>
             <a:pPr algn="ctr"/>
-            <a:r>
-              <a:rPr lang="zh-TW" altLang="en-US" dirty="0" smtClean="0"/>
-              <a:t>新增商品</a:t>
-            </a:r>
-            <a:r>
-              <a:rPr lang="en-US" altLang="zh-TW" dirty="0" smtClean="0"/>
-              <a:t>(</a:t>
-            </a:r>
-            <a:r>
-              <a:rPr lang="zh-TW" altLang="en-US" dirty="0" smtClean="0"/>
-              <a:t>與登入位置相同</a:t>
-            </a:r>
-            <a:r>
-              <a:rPr lang="en-US" altLang="zh-TW" dirty="0" smtClean="0"/>
-              <a:t>)</a:t>
-            </a:r>
             <a:endParaRPr lang="zh-TW" altLang="en-US" dirty="0"/>
           </a:p>
         </p:txBody>
       </p:sp>
+      <p:pic>
+        <p:nvPicPr>
+          <p:cNvPr id="2" name="圖片 1">
+            <a:extLst>
+              <a:ext uri="{FF2B5EF4-FFF2-40B4-BE49-F238E27FC236}">
+                <a16:creationId xmlns:a16="http://schemas.microsoft.com/office/drawing/2014/main" id="{7B338A9C-26FA-4918-93DA-724B718569A6}"/>
+              </a:ext>
+            </a:extLst>
+          </p:cNvPr>
+          <p:cNvPicPr>
+            <a:picLocks noChangeAspect="1"/>
+          </p:cNvPicPr>
+          <p:nvPr/>
+        </p:nvPicPr>
+        <p:blipFill>
+          <a:blip r:embed="rId2"/>
+          <a:stretch>
+            <a:fillRect/>
+          </a:stretch>
+        </p:blipFill>
+        <p:spPr>
+          <a:xfrm>
+            <a:off x="982780" y="3294188"/>
+            <a:ext cx="5186354" cy="3315966"/>
+          </a:xfrm>
+          <a:prstGeom prst="rect">
+            <a:avLst/>
+          </a:prstGeom>
+        </p:spPr>
+      </p:pic>
     </p:spTree>
     <p:extLst>
       <p:ext uri="{BB962C8B-B14F-4D97-AF65-F5344CB8AC3E}">
@@ -5604,13 +5905,6 @@
   <p:clrMapOvr>
     <a:masterClrMapping/>
   </p:clrMapOvr>
-  <p:timing>
-    <p:tnLst>
-      <p:par>
-        <p:cTn id="1" dur="indefinite" restart="never" nodeType="tmRoot"/>
-      </p:par>
-    </p:tnLst>
-  </p:timing>
 </p:sld>
 </file>
 
@@ -5794,14 +6088,13 @@
           <a:p>
             <a:pPr algn="ctr"/>
             <a:r>
-              <a:rPr lang="en-US" altLang="zh-TW" dirty="0" smtClean="0"/>
+              <a:rPr lang="en-US" altLang="zh-TW" dirty="0"/>
               <a:t>div</a:t>
             </a:r>
             <a:r>
-              <a:rPr lang="zh-TW" altLang="en-US" dirty="0" smtClean="0"/>
+              <a:rPr lang="zh-TW" altLang="en-US" dirty="0"/>
               <a:t>商品</a:t>
             </a:r>
-            <a:endParaRPr lang="zh-TW" altLang="en-US" dirty="0"/>
           </a:p>
         </p:txBody>
       </p:sp>
@@ -6148,19 +6441,19 @@
           <a:lstStyle/>
           <a:p>
             <a:r>
-              <a:rPr lang="en-US" altLang="zh-TW" dirty="0" smtClean="0"/>
+              <a:rPr lang="en-US" altLang="zh-TW" dirty="0"/>
               <a:t>(</a:t>
             </a:r>
             <a:r>
-              <a:rPr lang="en-US" altLang="zh-TW" dirty="0" err="1" smtClean="0"/>
+              <a:rPr lang="en-US" altLang="zh-TW" dirty="0" err="1"/>
               <a:t>nav</a:t>
             </a:r>
             <a:r>
-              <a:rPr lang="zh-TW" altLang="en-US" dirty="0" smtClean="0"/>
+              <a:rPr lang="zh-TW" altLang="en-US" dirty="0"/>
               <a:t>導覽</a:t>
             </a:r>
             <a:r>
-              <a:rPr lang="en-US" altLang="zh-TW" dirty="0" smtClean="0"/>
+              <a:rPr lang="en-US" altLang="zh-TW" dirty="0"/>
               <a:t>)</a:t>
             </a:r>
             <a:endParaRPr lang="zh-TW" altLang="en-US" dirty="0"/>
@@ -6196,18 +6489,17 @@
           <a:p>
             <a:pPr algn="ctr"/>
             <a:r>
-              <a:rPr lang="zh-TW" altLang="en-US" dirty="0" smtClean="0"/>
+              <a:rPr lang="zh-TW" altLang="en-US" dirty="0"/>
               <a:t>登入</a:t>
             </a:r>
             <a:r>
-              <a:rPr lang="en-US" altLang="zh-TW" dirty="0" smtClean="0"/>
+              <a:rPr lang="en-US" altLang="zh-TW" dirty="0"/>
               <a:t>/</a:t>
             </a:r>
             <a:r>
-              <a:rPr lang="zh-TW" altLang="en-US" dirty="0" smtClean="0"/>
+              <a:rPr lang="zh-TW" altLang="en-US" dirty="0"/>
               <a:t>註冊</a:t>
             </a:r>
-            <a:endParaRPr lang="zh-TW" altLang="en-US" dirty="0"/>
           </a:p>
         </p:txBody>
       </p:sp>
@@ -6234,11 +6526,11 @@
           <a:lstStyle/>
           <a:p>
             <a:r>
-              <a:rPr lang="zh-TW" altLang="en-US" dirty="0" smtClean="0"/>
+              <a:rPr lang="zh-TW" altLang="en-US" dirty="0"/>
               <a:t>復活福利社</a:t>
             </a:r>
             <a:r>
-              <a:rPr lang="en-US" altLang="zh-TW" dirty="0" smtClean="0"/>
+              <a:rPr lang="en-US" altLang="zh-TW" dirty="0"/>
               <a:t>2.0</a:t>
             </a:r>
             <a:endParaRPr lang="zh-TW" altLang="en-US" dirty="0"/>
@@ -6268,15 +6560,15 @@
           <a:lstStyle/>
           <a:p>
             <a:r>
-              <a:rPr lang="en-US" altLang="zh-TW" dirty="0" smtClean="0"/>
+              <a:rPr lang="en-US" altLang="zh-TW" dirty="0"/>
               <a:t>(</a:t>
             </a:r>
             <a:r>
-              <a:rPr lang="zh-TW" altLang="en-US" dirty="0" smtClean="0"/>
+              <a:rPr lang="zh-TW" altLang="en-US" dirty="0"/>
               <a:t>推播 </a:t>
             </a:r>
             <a:r>
-              <a:rPr lang="en-US" altLang="zh-TW" dirty="0" smtClean="0"/>
+              <a:rPr lang="en-US" altLang="zh-TW" dirty="0"/>
               <a:t>banner)</a:t>
             </a:r>
             <a:endParaRPr lang="zh-TW" altLang="en-US" dirty="0"/>
@@ -6306,29 +6598,20 @@
           <a:lstStyle/>
           <a:p>
             <a:r>
-              <a:rPr lang="en-US" altLang="zh-TW" dirty="0" err="1" smtClean="0"/>
+              <a:rPr lang="en-US" altLang="zh-TW" dirty="0" err="1"/>
               <a:t>Nav</a:t>
             </a:r>
             <a:r>
               <a:rPr lang="zh-TW" altLang="en-US" dirty="0"/>
-              <a:t> </a:t>
-            </a:r>
-            <a:r>
-              <a:rPr lang="zh-TW" altLang="en-US" dirty="0" smtClean="0"/>
-              <a:t>導覽</a:t>
-            </a:r>
-            <a:r>
-              <a:rPr lang="en-US" altLang="zh-TW" dirty="0" smtClean="0"/>
-              <a:t/>
+              <a:t> 導覽</a:t>
             </a:r>
             <a:br>
-              <a:rPr lang="en-US" altLang="zh-TW" dirty="0" smtClean="0"/>
+              <a:rPr lang="en-US" altLang="zh-TW" dirty="0"/>
             </a:br>
             <a:r>
-              <a:rPr lang="zh-TW" altLang="en-US" dirty="0" smtClean="0"/>
+              <a:rPr lang="zh-TW" altLang="en-US" dirty="0"/>
               <a:t>已完成</a:t>
             </a:r>
-            <a:endParaRPr lang="zh-TW" altLang="en-US" dirty="0"/>
           </a:p>
         </p:txBody>
       </p:sp>
@@ -6372,18 +6655,13 @@
           <a:p>
             <a:pPr algn="ctr"/>
             <a:r>
-              <a:rPr lang="zh-TW" altLang="en-US" dirty="0" smtClean="0">
+              <a:rPr lang="zh-TW" altLang="en-US" dirty="0">
                 <a:solidFill>
                   <a:schemeClr val="tx1"/>
                 </a:solidFill>
               </a:rPr>
               <a:t>搜尋</a:t>
             </a:r>
-            <a:endParaRPr lang="zh-TW" altLang="en-US" dirty="0">
-              <a:solidFill>
-                <a:schemeClr val="tx1"/>
-              </a:solidFill>
-            </a:endParaRPr>
           </a:p>
         </p:txBody>
       </p:sp>
@@ -6427,31 +6705,32 @@
           <a:p>
             <a:pPr algn="ctr"/>
             <a:r>
-              <a:rPr lang="zh-TW" altLang="en-US" dirty="0" smtClean="0">
+              <a:rPr lang="zh-TW" altLang="en-US" dirty="0">
                 <a:solidFill>
                   <a:schemeClr val="tx1"/>
                 </a:solidFill>
               </a:rPr>
               <a:t>新增商品</a:t>
             </a:r>
-            <a:endParaRPr lang="zh-TW" altLang="en-US" dirty="0">
-              <a:solidFill>
-                <a:schemeClr val="tx1"/>
-              </a:solidFill>
-            </a:endParaRPr>
-          </a:p>
-        </p:txBody>
-      </p:sp>
-      <p:sp>
-        <p:nvSpPr>
-          <p:cNvPr id="24" name="矩形 23"/>
+          </a:p>
+        </p:txBody>
+      </p:sp>
+      <p:sp>
+        <p:nvSpPr>
+          <p:cNvPr id="23" name="矩形 22">
+            <a:extLst>
+              <a:ext uri="{FF2B5EF4-FFF2-40B4-BE49-F238E27FC236}">
+                <a16:creationId xmlns:a16="http://schemas.microsoft.com/office/drawing/2014/main" id="{5073F803-0B57-4522-AE4D-836CA7CF39BE}"/>
+              </a:ext>
+            </a:extLst>
+          </p:cNvPr>
           <p:cNvSpPr/>
           <p:nvPr/>
         </p:nvSpPr>
         <p:spPr>
           <a:xfrm>
-            <a:off x="1730829" y="3053443"/>
-            <a:ext cx="3690256" cy="4914900"/>
+            <a:off x="863600" y="3050723"/>
+            <a:ext cx="5504543" cy="3718377"/>
           </a:xfrm>
           <a:prstGeom prst="rect">
             <a:avLst/>
@@ -6484,26 +6763,40 @@
           <a:lstStyle/>
           <a:p>
             <a:pPr algn="ctr"/>
-            <a:r>
-              <a:rPr lang="zh-TW" altLang="en-US" dirty="0" smtClean="0"/>
-              <a:t>預覽新增</a:t>
-            </a:r>
-            <a:r>
-              <a:rPr lang="en-US" altLang="zh-TW" dirty="0" smtClean="0"/>
-              <a:t>(</a:t>
-            </a:r>
-            <a:r>
-              <a:rPr lang="zh-TW" altLang="en-US" dirty="0" smtClean="0"/>
-              <a:t>與新增位置相同</a:t>
-            </a:r>
-            <a:r>
-              <a:rPr lang="en-US" altLang="zh-TW" dirty="0" smtClean="0"/>
-              <a:t>)</a:t>
-            </a:r>
             <a:endParaRPr lang="zh-TW" altLang="en-US" dirty="0"/>
           </a:p>
         </p:txBody>
       </p:sp>
+      <p:pic>
+        <p:nvPicPr>
+          <p:cNvPr id="2" name="圖片 1">
+            <a:extLst>
+              <a:ext uri="{FF2B5EF4-FFF2-40B4-BE49-F238E27FC236}">
+                <a16:creationId xmlns:a16="http://schemas.microsoft.com/office/drawing/2014/main" id="{83584C94-99C1-4699-806E-B8EC07913FC3}"/>
+              </a:ext>
+            </a:extLst>
+          </p:cNvPr>
+          <p:cNvPicPr>
+            <a:picLocks noChangeAspect="1"/>
+          </p:cNvPicPr>
+          <p:nvPr/>
+        </p:nvPicPr>
+        <p:blipFill>
+          <a:blip r:embed="rId2"/>
+          <a:stretch>
+            <a:fillRect/>
+          </a:stretch>
+        </p:blipFill>
+        <p:spPr>
+          <a:xfrm>
+            <a:off x="1057184" y="3247770"/>
+            <a:ext cx="5272613" cy="3421090"/>
+          </a:xfrm>
+          <a:prstGeom prst="rect">
+            <a:avLst/>
+          </a:prstGeom>
+        </p:spPr>
+      </p:pic>
     </p:spTree>
     <p:extLst>
       <p:ext uri="{BB962C8B-B14F-4D97-AF65-F5344CB8AC3E}">
@@ -6514,13 +6807,6 @@
   <p:clrMapOvr>
     <a:masterClrMapping/>
   </p:clrMapOvr>
-  <p:timing>
-    <p:tnLst>
-      <p:par>
-        <p:cTn id="1" dur="indefinite" restart="never" nodeType="tmRoot"/>
-      </p:par>
-    </p:tnLst>
-  </p:timing>
 </p:sld>
 </file>
 
@@ -6704,14 +6990,13 @@
           <a:p>
             <a:pPr algn="ctr"/>
             <a:r>
-              <a:rPr lang="en-US" altLang="zh-TW" dirty="0" smtClean="0"/>
+              <a:rPr lang="en-US" altLang="zh-TW" dirty="0"/>
               <a:t>div</a:t>
             </a:r>
             <a:r>
-              <a:rPr lang="zh-TW" altLang="en-US" dirty="0" smtClean="0"/>
+              <a:rPr lang="zh-TW" altLang="en-US" dirty="0"/>
               <a:t>商品</a:t>
             </a:r>
-            <a:endParaRPr lang="zh-TW" altLang="en-US" dirty="0"/>
           </a:p>
         </p:txBody>
       </p:sp>
@@ -7058,19 +7343,19 @@
           <a:lstStyle/>
           <a:p>
             <a:r>
-              <a:rPr lang="en-US" altLang="zh-TW" dirty="0" smtClean="0"/>
+              <a:rPr lang="en-US" altLang="zh-TW" dirty="0"/>
               <a:t>(</a:t>
             </a:r>
             <a:r>
-              <a:rPr lang="en-US" altLang="zh-TW" dirty="0" err="1" smtClean="0"/>
+              <a:rPr lang="en-US" altLang="zh-TW" dirty="0" err="1"/>
               <a:t>nav</a:t>
             </a:r>
             <a:r>
-              <a:rPr lang="zh-TW" altLang="en-US" dirty="0" smtClean="0"/>
+              <a:rPr lang="zh-TW" altLang="en-US" dirty="0"/>
               <a:t>導覽</a:t>
             </a:r>
             <a:r>
-              <a:rPr lang="en-US" altLang="zh-TW" dirty="0" smtClean="0"/>
+              <a:rPr lang="en-US" altLang="zh-TW" dirty="0"/>
               <a:t>)</a:t>
             </a:r>
             <a:endParaRPr lang="zh-TW" altLang="en-US" dirty="0"/>
@@ -7106,18 +7391,17 @@
           <a:p>
             <a:pPr algn="ctr"/>
             <a:r>
-              <a:rPr lang="zh-TW" altLang="en-US" dirty="0" smtClean="0"/>
+              <a:rPr lang="zh-TW" altLang="en-US" dirty="0"/>
               <a:t>登入</a:t>
             </a:r>
             <a:r>
-              <a:rPr lang="en-US" altLang="zh-TW" dirty="0" smtClean="0"/>
+              <a:rPr lang="en-US" altLang="zh-TW" dirty="0"/>
               <a:t>/</a:t>
             </a:r>
             <a:r>
-              <a:rPr lang="zh-TW" altLang="en-US" dirty="0" smtClean="0"/>
+              <a:rPr lang="zh-TW" altLang="en-US" dirty="0"/>
               <a:t>註冊</a:t>
             </a:r>
-            <a:endParaRPr lang="zh-TW" altLang="en-US" dirty="0"/>
           </a:p>
         </p:txBody>
       </p:sp>
@@ -7144,11 +7428,11 @@
           <a:lstStyle/>
           <a:p>
             <a:r>
-              <a:rPr lang="zh-TW" altLang="en-US" dirty="0" smtClean="0"/>
+              <a:rPr lang="zh-TW" altLang="en-US" dirty="0"/>
               <a:t>復活福利社</a:t>
             </a:r>
             <a:r>
-              <a:rPr lang="en-US" altLang="zh-TW" dirty="0" smtClean="0"/>
+              <a:rPr lang="en-US" altLang="zh-TW" dirty="0"/>
               <a:t>2.0</a:t>
             </a:r>
             <a:endParaRPr lang="zh-TW" altLang="en-US" dirty="0"/>
@@ -7178,15 +7462,15 @@
           <a:lstStyle/>
           <a:p>
             <a:r>
-              <a:rPr lang="en-US" altLang="zh-TW" dirty="0" smtClean="0"/>
+              <a:rPr lang="en-US" altLang="zh-TW" dirty="0"/>
               <a:t>(</a:t>
             </a:r>
             <a:r>
-              <a:rPr lang="zh-TW" altLang="en-US" dirty="0" smtClean="0"/>
+              <a:rPr lang="zh-TW" altLang="en-US" dirty="0"/>
               <a:t>推播 </a:t>
             </a:r>
             <a:r>
-              <a:rPr lang="en-US" altLang="zh-TW" dirty="0" smtClean="0"/>
+              <a:rPr lang="en-US" altLang="zh-TW" dirty="0"/>
               <a:t>banner)</a:t>
             </a:r>
             <a:endParaRPr lang="zh-TW" altLang="en-US" dirty="0"/>
@@ -7216,29 +7500,20 @@
           <a:lstStyle/>
           <a:p>
             <a:r>
-              <a:rPr lang="en-US" altLang="zh-TW" dirty="0" err="1" smtClean="0"/>
+              <a:rPr lang="en-US" altLang="zh-TW" dirty="0" err="1"/>
               <a:t>Nav</a:t>
             </a:r>
             <a:r>
               <a:rPr lang="zh-TW" altLang="en-US" dirty="0"/>
-              <a:t> </a:t>
-            </a:r>
-            <a:r>
-              <a:rPr lang="zh-TW" altLang="en-US" dirty="0" smtClean="0"/>
-              <a:t>導覽</a:t>
-            </a:r>
-            <a:r>
-              <a:rPr lang="en-US" altLang="zh-TW" dirty="0" smtClean="0"/>
-              <a:t/>
+              <a:t> 導覽</a:t>
             </a:r>
             <a:br>
-              <a:rPr lang="en-US" altLang="zh-TW" dirty="0" smtClean="0"/>
+              <a:rPr lang="en-US" altLang="zh-TW" dirty="0"/>
             </a:br>
             <a:r>
-              <a:rPr lang="zh-TW" altLang="en-US" dirty="0" smtClean="0"/>
+              <a:rPr lang="zh-TW" altLang="en-US" dirty="0"/>
               <a:t>已完成</a:t>
             </a:r>
-            <a:endParaRPr lang="zh-TW" altLang="en-US" dirty="0"/>
           </a:p>
         </p:txBody>
       </p:sp>
@@ -7282,18 +7557,13 @@
           <a:p>
             <a:pPr algn="ctr"/>
             <a:r>
-              <a:rPr lang="zh-TW" altLang="en-US" dirty="0" smtClean="0">
+              <a:rPr lang="zh-TW" altLang="en-US" dirty="0">
                 <a:solidFill>
                   <a:schemeClr val="tx1"/>
                 </a:solidFill>
               </a:rPr>
               <a:t>搜尋</a:t>
             </a:r>
-            <a:endParaRPr lang="zh-TW" altLang="en-US" dirty="0">
-              <a:solidFill>
-                <a:schemeClr val="tx1"/>
-              </a:solidFill>
-            </a:endParaRPr>
           </a:p>
         </p:txBody>
       </p:sp>
@@ -7337,18 +7607,13 @@
           <a:p>
             <a:pPr algn="ctr"/>
             <a:r>
-              <a:rPr lang="zh-TW" altLang="en-US" dirty="0" smtClean="0">
+              <a:rPr lang="zh-TW" altLang="en-US" dirty="0">
                 <a:solidFill>
                   <a:schemeClr val="tx1"/>
                 </a:solidFill>
               </a:rPr>
               <a:t>新增商品</a:t>
             </a:r>
-            <a:endParaRPr lang="zh-TW" altLang="en-US" dirty="0">
-              <a:solidFill>
-                <a:schemeClr val="tx1"/>
-              </a:solidFill>
-            </a:endParaRPr>
           </a:p>
         </p:txBody>
       </p:sp>
@@ -7367,7 +7632,7 @@
             <a:avLst/>
           </a:prstGeom>
           <a:solidFill>
-            <a:srgbClr val="002060"/>
+            <a:schemeClr val="bg1"/>
           </a:solidFill>
         </p:spPr>
         <p:style>
@@ -7392,22 +7657,420 @@
           <a:p>
             <a:pPr algn="ctr"/>
             <a:r>
-              <a:rPr lang="zh-TW" altLang="en-US" dirty="0" smtClean="0"/>
+              <a:rPr lang="zh-TW" altLang="en-US" dirty="0"/>
               <a:t>商品資訊</a:t>
             </a:r>
             <a:r>
-              <a:rPr lang="en-US" altLang="zh-TW" dirty="0" smtClean="0"/>
+              <a:rPr lang="en-US" altLang="zh-TW" dirty="0"/>
               <a:t>(</a:t>
             </a:r>
             <a:r>
-              <a:rPr lang="zh-TW" altLang="en-US" dirty="0" smtClean="0"/>
+              <a:rPr lang="zh-TW" altLang="en-US" dirty="0"/>
               <a:t>與新增位置相同</a:t>
             </a:r>
             <a:r>
-              <a:rPr lang="en-US" altLang="zh-TW" dirty="0" smtClean="0"/>
+              <a:rPr lang="en-US" altLang="zh-TW" dirty="0"/>
               <a:t>)</a:t>
             </a:r>
             <a:endParaRPr lang="zh-TW" altLang="en-US" dirty="0"/>
+          </a:p>
+        </p:txBody>
+      </p:sp>
+      <p:pic>
+        <p:nvPicPr>
+          <p:cNvPr id="25" name="圖片 24" descr="一張含有 自行車, 室內, 坐, 停車 的圖片&#10;&#10;自動產生的描述">
+            <a:extLst>
+              <a:ext uri="{FF2B5EF4-FFF2-40B4-BE49-F238E27FC236}">
+                <a16:creationId xmlns:a16="http://schemas.microsoft.com/office/drawing/2014/main" id="{D9782106-A866-487B-A689-C5760E705827}"/>
+              </a:ext>
+            </a:extLst>
+          </p:cNvPr>
+          <p:cNvPicPr>
+            <a:picLocks noChangeAspect="1"/>
+          </p:cNvPicPr>
+          <p:nvPr/>
+        </p:nvPicPr>
+        <p:blipFill>
+          <a:blip r:embed="rId2">
+            <a:extLst>
+              <a:ext uri="{28A0092B-C50C-407E-A947-70E740481C1C}">
+                <a14:useLocalDpi xmlns:a14="http://schemas.microsoft.com/office/drawing/2010/main" val="0"/>
+              </a:ext>
+            </a:extLst>
+          </a:blip>
+          <a:stretch>
+            <a:fillRect/>
+          </a:stretch>
+        </p:blipFill>
+        <p:spPr>
+          <a:xfrm>
+            <a:off x="1943100" y="3241161"/>
+            <a:ext cx="3310763" cy="1854027"/>
+          </a:xfrm>
+          <a:prstGeom prst="rect">
+            <a:avLst/>
+          </a:prstGeom>
+        </p:spPr>
+      </p:pic>
+      <p:sp>
+        <p:nvSpPr>
+          <p:cNvPr id="28" name="文字方塊 27">
+            <a:extLst>
+              <a:ext uri="{FF2B5EF4-FFF2-40B4-BE49-F238E27FC236}">
+                <a16:creationId xmlns:a16="http://schemas.microsoft.com/office/drawing/2014/main" id="{17F85687-3E4D-495D-8C8F-916F5F4BF451}"/>
+              </a:ext>
+            </a:extLst>
+          </p:cNvPr>
+          <p:cNvSpPr txBox="1"/>
+          <p:nvPr/>
+        </p:nvSpPr>
+        <p:spPr>
+          <a:xfrm>
+            <a:off x="1945733" y="5098121"/>
+            <a:ext cx="2353384" cy="369332"/>
+          </a:xfrm>
+          <a:prstGeom prst="rect">
+            <a:avLst/>
+          </a:prstGeom>
+          <a:noFill/>
+        </p:spPr>
+        <p:txBody>
+          <a:bodyPr wrap="square" rtlCol="0">
+            <a:spAutoFit/>
+          </a:bodyPr>
+          <a:lstStyle/>
+          <a:p>
+            <a:r>
+              <a:rPr lang="zh-TW" altLang="en-US" dirty="0">
+                <a:latin typeface="Mamelon" panose="02000600000000000000" pitchFamily="50" charset="-128"/>
+                <a:ea typeface="Mamelon" panose="02000600000000000000" pitchFamily="50" charset="-128"/>
+              </a:rPr>
+              <a:t>商品名稱：</a:t>
+            </a:r>
+            <a:r>
+              <a:rPr lang="zh-TW" altLang="en-US" dirty="0">
+                <a:latin typeface="+mj-ea"/>
+                <a:ea typeface="+mj-ea"/>
+              </a:rPr>
+              <a:t>腳踏車</a:t>
+            </a:r>
+          </a:p>
+        </p:txBody>
+      </p:sp>
+      <p:sp>
+        <p:nvSpPr>
+          <p:cNvPr id="29" name="文字方塊 28">
+            <a:extLst>
+              <a:ext uri="{FF2B5EF4-FFF2-40B4-BE49-F238E27FC236}">
+                <a16:creationId xmlns:a16="http://schemas.microsoft.com/office/drawing/2014/main" id="{CD00A9EC-6CB0-4526-85CA-B3D9BDF2135B}"/>
+              </a:ext>
+            </a:extLst>
+          </p:cNvPr>
+          <p:cNvSpPr txBox="1"/>
+          <p:nvPr/>
+        </p:nvSpPr>
+        <p:spPr>
+          <a:xfrm>
+            <a:off x="1943100" y="5456462"/>
+            <a:ext cx="2627034" cy="369332"/>
+          </a:xfrm>
+          <a:prstGeom prst="rect">
+            <a:avLst/>
+          </a:prstGeom>
+          <a:noFill/>
+        </p:spPr>
+        <p:txBody>
+          <a:bodyPr wrap="square" rtlCol="0">
+            <a:spAutoFit/>
+          </a:bodyPr>
+          <a:lstStyle/>
+          <a:p>
+            <a:r>
+              <a:rPr lang="zh-TW" altLang="en-US" dirty="0">
+                <a:latin typeface="Mamelon" panose="02000600000000000000" pitchFamily="50" charset="-128"/>
+                <a:ea typeface="Mamelon" panose="02000600000000000000" pitchFamily="50" charset="-128"/>
+              </a:rPr>
+              <a:t>商品分類：</a:t>
+            </a:r>
+            <a:r>
+              <a:rPr lang="zh-TW" altLang="en-US" dirty="0">
+                <a:latin typeface="+mj-ea"/>
+                <a:ea typeface="+mj-ea"/>
+              </a:rPr>
+              <a:t>交通工具</a:t>
+            </a:r>
+          </a:p>
+        </p:txBody>
+      </p:sp>
+      <p:sp>
+        <p:nvSpPr>
+          <p:cNvPr id="30" name="文字方塊 29">
+            <a:extLst>
+              <a:ext uri="{FF2B5EF4-FFF2-40B4-BE49-F238E27FC236}">
+                <a16:creationId xmlns:a16="http://schemas.microsoft.com/office/drawing/2014/main" id="{6EDE0E66-0C77-4E28-B4CB-452DCF9B982E}"/>
+              </a:ext>
+            </a:extLst>
+          </p:cNvPr>
+          <p:cNvSpPr txBox="1"/>
+          <p:nvPr/>
+        </p:nvSpPr>
+        <p:spPr>
+          <a:xfrm>
+            <a:off x="1943100" y="5821707"/>
+            <a:ext cx="2079735" cy="369332"/>
+          </a:xfrm>
+          <a:prstGeom prst="rect">
+            <a:avLst/>
+          </a:prstGeom>
+          <a:noFill/>
+        </p:spPr>
+        <p:txBody>
+          <a:bodyPr wrap="square" rtlCol="0">
+            <a:spAutoFit/>
+          </a:bodyPr>
+          <a:lstStyle/>
+          <a:p>
+            <a:r>
+              <a:rPr lang="zh-TW" altLang="en-US" dirty="0">
+                <a:latin typeface="Mamelon" panose="02000600000000000000" pitchFamily="50" charset="-128"/>
+                <a:ea typeface="Mamelon" panose="02000600000000000000" pitchFamily="50" charset="-128"/>
+              </a:rPr>
+              <a:t>商品</a:t>
+            </a:r>
+            <a:r>
+              <a:rPr lang="zh-TW" altLang="en-US" dirty="0">
+                <a:latin typeface="Adobe 繁黑體 Std B" panose="020B0700000000000000" pitchFamily="34" charset="-120"/>
+                <a:ea typeface="Adobe 繁黑體 Std B" panose="020B0700000000000000" pitchFamily="34" charset="-120"/>
+              </a:rPr>
+              <a:t>狀</a:t>
+            </a:r>
+            <a:r>
+              <a:rPr lang="zh-TW" altLang="en-US" dirty="0">
+                <a:latin typeface="Mamelon" panose="02000600000000000000" pitchFamily="50" charset="-128"/>
+                <a:ea typeface="Mamelon" panose="02000600000000000000" pitchFamily="50" charset="-128"/>
+              </a:rPr>
+              <a:t>態：</a:t>
+            </a:r>
+            <a:r>
+              <a:rPr lang="zh-TW" altLang="en-US" dirty="0">
+                <a:latin typeface="+mj-ea"/>
+                <a:ea typeface="+mj-ea"/>
+              </a:rPr>
+              <a:t>二手</a:t>
+            </a:r>
+          </a:p>
+        </p:txBody>
+      </p:sp>
+      <p:sp>
+        <p:nvSpPr>
+          <p:cNvPr id="31" name="文字方塊 30">
+            <a:extLst>
+              <a:ext uri="{FF2B5EF4-FFF2-40B4-BE49-F238E27FC236}">
+                <a16:creationId xmlns:a16="http://schemas.microsoft.com/office/drawing/2014/main" id="{4A9260F5-CF40-4F07-8A47-38A2617A72C2}"/>
+              </a:ext>
+            </a:extLst>
+          </p:cNvPr>
+          <p:cNvSpPr txBox="1"/>
+          <p:nvPr/>
+        </p:nvSpPr>
+        <p:spPr>
+          <a:xfrm>
+            <a:off x="1943100" y="6162433"/>
+            <a:ext cx="1838867" cy="369332"/>
+          </a:xfrm>
+          <a:prstGeom prst="rect">
+            <a:avLst/>
+          </a:prstGeom>
+          <a:noFill/>
+        </p:spPr>
+        <p:txBody>
+          <a:bodyPr wrap="square" rtlCol="0">
+            <a:spAutoFit/>
+          </a:bodyPr>
+          <a:lstStyle/>
+          <a:p>
+            <a:r>
+              <a:rPr lang="zh-TW" altLang="en-US" dirty="0">
+                <a:latin typeface="Mamelon" panose="02000600000000000000" pitchFamily="50" charset="-128"/>
+                <a:ea typeface="Mamelon" panose="02000600000000000000" pitchFamily="50" charset="-128"/>
+              </a:rPr>
+              <a:t>售價：</a:t>
+            </a:r>
+            <a:r>
+              <a:rPr lang="en-US" altLang="zh-TW" dirty="0">
+                <a:latin typeface="+mj-ea"/>
+                <a:ea typeface="+mj-ea"/>
+              </a:rPr>
+              <a:t>1,500</a:t>
+            </a:r>
+            <a:r>
+              <a:rPr lang="zh-TW" altLang="en-US" dirty="0">
+                <a:latin typeface="+mj-ea"/>
+                <a:ea typeface="+mj-ea"/>
+              </a:rPr>
+              <a:t>元</a:t>
+            </a:r>
+          </a:p>
+        </p:txBody>
+      </p:sp>
+      <p:sp>
+        <p:nvSpPr>
+          <p:cNvPr id="32" name="文字方塊 31">
+            <a:extLst>
+              <a:ext uri="{FF2B5EF4-FFF2-40B4-BE49-F238E27FC236}">
+                <a16:creationId xmlns:a16="http://schemas.microsoft.com/office/drawing/2014/main" id="{202D08C9-3C90-4D48-BA3E-84A02A716DED}"/>
+              </a:ext>
+            </a:extLst>
+          </p:cNvPr>
+          <p:cNvSpPr txBox="1"/>
+          <p:nvPr/>
+        </p:nvSpPr>
+        <p:spPr>
+          <a:xfrm>
+            <a:off x="1947943" y="6539465"/>
+            <a:ext cx="3310763" cy="892552"/>
+          </a:xfrm>
+          <a:prstGeom prst="rect">
+            <a:avLst/>
+          </a:prstGeom>
+          <a:noFill/>
+        </p:spPr>
+        <p:txBody>
+          <a:bodyPr wrap="square" rtlCol="0">
+            <a:spAutoFit/>
+          </a:bodyPr>
+          <a:lstStyle/>
+          <a:p>
+            <a:r>
+              <a:rPr lang="zh-TW" altLang="en-US" dirty="0">
+                <a:latin typeface="Mamelon" panose="02000600000000000000" pitchFamily="50" charset="-128"/>
+                <a:ea typeface="Mamelon" panose="02000600000000000000" pitchFamily="50" charset="-128"/>
+              </a:rPr>
+              <a:t>商品描述：</a:t>
+            </a:r>
+            <a:r>
+              <a:rPr lang="zh-TW" altLang="en-US" sz="1600" dirty="0"/>
+              <a:t>上課代步用，正常使用痕跡</a:t>
+            </a:r>
+            <a:endParaRPr lang="zh-TW" altLang="en-US" dirty="0"/>
+          </a:p>
+          <a:p>
+            <a:endParaRPr lang="zh-TW" altLang="en-US" dirty="0">
+              <a:latin typeface="Mamelon" panose="02000600000000000000" pitchFamily="50" charset="-128"/>
+              <a:ea typeface="Mamelon" panose="02000600000000000000" pitchFamily="50" charset="-128"/>
+            </a:endParaRPr>
+          </a:p>
+        </p:txBody>
+      </p:sp>
+      <p:sp>
+        <p:nvSpPr>
+          <p:cNvPr id="33" name="矩形: 圓角 32">
+            <a:extLst>
+              <a:ext uri="{FF2B5EF4-FFF2-40B4-BE49-F238E27FC236}">
+                <a16:creationId xmlns:a16="http://schemas.microsoft.com/office/drawing/2014/main" id="{54883973-BFDA-4B55-996C-1682CFD19D4C}"/>
+              </a:ext>
+            </a:extLst>
+          </p:cNvPr>
+          <p:cNvSpPr/>
+          <p:nvPr/>
+        </p:nvSpPr>
+        <p:spPr>
+          <a:xfrm>
+            <a:off x="2764605" y="7366978"/>
+            <a:ext cx="1585651" cy="402159"/>
+          </a:xfrm>
+          <a:prstGeom prst="roundRect">
+            <a:avLst/>
+          </a:prstGeom>
+          <a:solidFill>
+            <a:schemeClr val="accent5">
+              <a:lumMod val="75000"/>
+            </a:schemeClr>
+          </a:solidFill>
+          <a:ln w="28575">
+            <a:noFill/>
+          </a:ln>
+          <a:effectLst>
+            <a:outerShdw blurRad="50800" dist="38100" dir="2700000" algn="tl" rotWithShape="0">
+              <a:prstClr val="black">
+                <a:alpha val="40000"/>
+              </a:prstClr>
+            </a:outerShdw>
+          </a:effectLst>
+        </p:spPr>
+        <p:style>
+          <a:lnRef idx="2">
+            <a:schemeClr val="accent1">
+              <a:shade val="50000"/>
+            </a:schemeClr>
+          </a:lnRef>
+          <a:fillRef idx="1">
+            <a:schemeClr val="accent1"/>
+          </a:fillRef>
+          <a:effectRef idx="0">
+            <a:schemeClr val="accent1"/>
+          </a:effectRef>
+          <a:fontRef idx="minor">
+            <a:schemeClr val="lt1"/>
+          </a:fontRef>
+        </p:style>
+        <p:txBody>
+          <a:bodyPr rtlCol="0" anchor="ctr"/>
+          <a:lstStyle/>
+          <a:p>
+            <a:pPr algn="ctr"/>
+            <a:endParaRPr lang="zh-TW" altLang="en-US">
+              <a:solidFill>
+                <a:schemeClr val="tx2">
+                  <a:lumMod val="60000"/>
+                  <a:lumOff val="40000"/>
+                </a:schemeClr>
+              </a:solidFill>
+            </a:endParaRPr>
+          </a:p>
+        </p:txBody>
+      </p:sp>
+      <p:sp>
+        <p:nvSpPr>
+          <p:cNvPr id="34" name="文字方塊 33">
+            <a:extLst>
+              <a:ext uri="{FF2B5EF4-FFF2-40B4-BE49-F238E27FC236}">
+                <a16:creationId xmlns:a16="http://schemas.microsoft.com/office/drawing/2014/main" id="{E705572C-8576-445B-8E4A-7E5398B3C830}"/>
+              </a:ext>
+            </a:extLst>
+          </p:cNvPr>
+          <p:cNvSpPr txBox="1"/>
+          <p:nvPr/>
+        </p:nvSpPr>
+        <p:spPr>
+          <a:xfrm>
+            <a:off x="3234264" y="7366978"/>
+            <a:ext cx="646331" cy="369332"/>
+          </a:xfrm>
+          <a:prstGeom prst="rect">
+            <a:avLst/>
+          </a:prstGeom>
+          <a:noFill/>
+        </p:spPr>
+        <p:txBody>
+          <a:bodyPr wrap="none" rtlCol="0">
+            <a:spAutoFit/>
+          </a:bodyPr>
+          <a:lstStyle/>
+          <a:p>
+            <a:r>
+              <a:rPr lang="zh-TW" altLang="en-US" dirty="0">
+                <a:solidFill>
+                  <a:schemeClr val="tx2">
+                    <a:lumMod val="20000"/>
+                    <a:lumOff val="80000"/>
+                  </a:schemeClr>
+                </a:solidFill>
+                <a:latin typeface="Mamelon" panose="02000600000000000000" pitchFamily="50" charset="-128"/>
+                <a:ea typeface="Mamelon" panose="02000600000000000000" pitchFamily="50" charset="-128"/>
+              </a:rPr>
+              <a:t>購買</a:t>
+            </a:r>
           </a:p>
         </p:txBody>
       </p:sp>
@@ -7421,13 +8084,86 @@
   <p:clrMapOvr>
     <a:masterClrMapping/>
   </p:clrMapOvr>
-  <p:timing>
-    <p:tnLst>
-      <p:par>
-        <p:cTn id="1" dur="indefinite" restart="never" nodeType="tmRoot"/>
-      </p:par>
-    </p:tnLst>
-  </p:timing>
+</p:sld>
+</file>
+
+<file path=ppt/slides/slide6.xml><?xml version="1.0" encoding="utf-8"?>
+<p:sld xmlns:a="http://schemas.openxmlformats.org/drawingml/2006/main" xmlns:r="http://schemas.openxmlformats.org/officeDocument/2006/relationships" xmlns:p="http://schemas.openxmlformats.org/presentationml/2006/main">
+  <p:cSld>
+    <p:spTree>
+      <p:nvGrpSpPr>
+        <p:cNvPr id="1" name=""/>
+        <p:cNvGrpSpPr/>
+        <p:nvPr/>
+      </p:nvGrpSpPr>
+      <p:grpSpPr>
+        <a:xfrm>
+          <a:off x="0" y="0"/>
+          <a:ext cx="0" cy="0"/>
+          <a:chOff x="0" y="0"/>
+          <a:chExt cx="0" cy="0"/>
+        </a:xfrm>
+      </p:grpSpPr>
+      <p:sp>
+        <p:nvSpPr>
+          <p:cNvPr id="2" name="標題 1">
+            <a:extLst>
+              <a:ext uri="{FF2B5EF4-FFF2-40B4-BE49-F238E27FC236}">
+                <a16:creationId xmlns:a16="http://schemas.microsoft.com/office/drawing/2014/main" id="{DF0F4A68-C8ED-4B78-AD18-26DC5DCC87F2}"/>
+              </a:ext>
+            </a:extLst>
+          </p:cNvPr>
+          <p:cNvSpPr>
+            <a:spLocks noGrp="1"/>
+          </p:cNvSpPr>
+          <p:nvPr>
+            <p:ph type="title"/>
+          </p:nvPr>
+        </p:nvSpPr>
+        <p:spPr/>
+        <p:txBody>
+          <a:bodyPr/>
+          <a:lstStyle/>
+          <a:p>
+            <a:endParaRPr lang="zh-TW" altLang="en-US"/>
+          </a:p>
+        </p:txBody>
+      </p:sp>
+      <p:sp>
+        <p:nvSpPr>
+          <p:cNvPr id="3" name="內容版面配置區 2">
+            <a:extLst>
+              <a:ext uri="{FF2B5EF4-FFF2-40B4-BE49-F238E27FC236}">
+                <a16:creationId xmlns:a16="http://schemas.microsoft.com/office/drawing/2014/main" id="{E1CAA417-A986-46D8-A363-ADD1F26BABF7}"/>
+              </a:ext>
+            </a:extLst>
+          </p:cNvPr>
+          <p:cNvSpPr>
+            <a:spLocks noGrp="1"/>
+          </p:cNvSpPr>
+          <p:nvPr>
+            <p:ph idx="1"/>
+          </p:nvPr>
+        </p:nvSpPr>
+        <p:spPr/>
+        <p:txBody>
+          <a:bodyPr/>
+          <a:lstStyle/>
+          <a:p>
+            <a:endParaRPr lang="zh-TW" altLang="en-US"/>
+          </a:p>
+        </p:txBody>
+      </p:sp>
+    </p:spTree>
+    <p:extLst>
+      <p:ext uri="{BB962C8B-B14F-4D97-AF65-F5344CB8AC3E}">
+        <p14:creationId xmlns:p14="http://schemas.microsoft.com/office/powerpoint/2010/main" val="1554275085"/>
+      </p:ext>
+    </p:extLst>
+  </p:cSld>
+  <p:clrMapOvr>
+    <a:masterClrMapping/>
+  </p:clrMapOvr>
 </p:sld>
 </file>
 

--- a/網頁設計稿.pptx
+++ b/網頁設計稿.pptx
@@ -248,7 +248,7 @@
           <a:p>
             <a:fld id="{29F1A1C5-FB59-4BE0-A3A1-1A52B600C07D}" type="datetimeFigureOut">
               <a:rPr lang="zh-TW" altLang="en-US" smtClean="0"/>
-              <a:t>2019/12/10</a:t>
+              <a:t>2019/12/13</a:t>
             </a:fld>
             <a:endParaRPr lang="zh-TW" altLang="en-US"/>
           </a:p>
@@ -418,7 +418,7 @@
           <a:p>
             <a:fld id="{29F1A1C5-FB59-4BE0-A3A1-1A52B600C07D}" type="datetimeFigureOut">
               <a:rPr lang="zh-TW" altLang="en-US" smtClean="0"/>
-              <a:t>2019/12/10</a:t>
+              <a:t>2019/12/13</a:t>
             </a:fld>
             <a:endParaRPr lang="zh-TW" altLang="en-US"/>
           </a:p>
@@ -598,7 +598,7 @@
           <a:p>
             <a:fld id="{29F1A1C5-FB59-4BE0-A3A1-1A52B600C07D}" type="datetimeFigureOut">
               <a:rPr lang="zh-TW" altLang="en-US" smtClean="0"/>
-              <a:t>2019/12/10</a:t>
+              <a:t>2019/12/13</a:t>
             </a:fld>
             <a:endParaRPr lang="zh-TW" altLang="en-US"/>
           </a:p>
@@ -768,7 +768,7 @@
           <a:p>
             <a:fld id="{29F1A1C5-FB59-4BE0-A3A1-1A52B600C07D}" type="datetimeFigureOut">
               <a:rPr lang="zh-TW" altLang="en-US" smtClean="0"/>
-              <a:t>2019/12/10</a:t>
+              <a:t>2019/12/13</a:t>
             </a:fld>
             <a:endParaRPr lang="zh-TW" altLang="en-US"/>
           </a:p>
@@ -1012,7 +1012,7 @@
           <a:p>
             <a:fld id="{29F1A1C5-FB59-4BE0-A3A1-1A52B600C07D}" type="datetimeFigureOut">
               <a:rPr lang="zh-TW" altLang="en-US" smtClean="0"/>
-              <a:t>2019/12/10</a:t>
+              <a:t>2019/12/13</a:t>
             </a:fld>
             <a:endParaRPr lang="zh-TW" altLang="en-US"/>
           </a:p>
@@ -1244,7 +1244,7 @@
           <a:p>
             <a:fld id="{29F1A1C5-FB59-4BE0-A3A1-1A52B600C07D}" type="datetimeFigureOut">
               <a:rPr lang="zh-TW" altLang="en-US" smtClean="0"/>
-              <a:t>2019/12/10</a:t>
+              <a:t>2019/12/13</a:t>
             </a:fld>
             <a:endParaRPr lang="zh-TW" altLang="en-US"/>
           </a:p>
@@ -1611,7 +1611,7 @@
           <a:p>
             <a:fld id="{29F1A1C5-FB59-4BE0-A3A1-1A52B600C07D}" type="datetimeFigureOut">
               <a:rPr lang="zh-TW" altLang="en-US" smtClean="0"/>
-              <a:t>2019/12/10</a:t>
+              <a:t>2019/12/13</a:t>
             </a:fld>
             <a:endParaRPr lang="zh-TW" altLang="en-US"/>
           </a:p>
@@ -1729,7 +1729,7 @@
           <a:p>
             <a:fld id="{29F1A1C5-FB59-4BE0-A3A1-1A52B600C07D}" type="datetimeFigureOut">
               <a:rPr lang="zh-TW" altLang="en-US" smtClean="0"/>
-              <a:t>2019/12/10</a:t>
+              <a:t>2019/12/13</a:t>
             </a:fld>
             <a:endParaRPr lang="zh-TW" altLang="en-US"/>
           </a:p>
@@ -1824,7 +1824,7 @@
           <a:p>
             <a:fld id="{29F1A1C5-FB59-4BE0-A3A1-1A52B600C07D}" type="datetimeFigureOut">
               <a:rPr lang="zh-TW" altLang="en-US" smtClean="0"/>
-              <a:t>2019/12/10</a:t>
+              <a:t>2019/12/13</a:t>
             </a:fld>
             <a:endParaRPr lang="zh-TW" altLang="en-US"/>
           </a:p>
@@ -2101,7 +2101,7 @@
           <a:p>
             <a:fld id="{29F1A1C5-FB59-4BE0-A3A1-1A52B600C07D}" type="datetimeFigureOut">
               <a:rPr lang="zh-TW" altLang="en-US" smtClean="0"/>
-              <a:t>2019/12/10</a:t>
+              <a:t>2019/12/13</a:t>
             </a:fld>
             <a:endParaRPr lang="zh-TW" altLang="en-US"/>
           </a:p>
@@ -2358,7 +2358,7 @@
           <a:p>
             <a:fld id="{29F1A1C5-FB59-4BE0-A3A1-1A52B600C07D}" type="datetimeFigureOut">
               <a:rPr lang="zh-TW" altLang="en-US" smtClean="0"/>
-              <a:t>2019/12/10</a:t>
+              <a:t>2019/12/13</a:t>
             </a:fld>
             <a:endParaRPr lang="zh-TW" altLang="en-US"/>
           </a:p>
@@ -2571,7 +2571,7 @@
           <a:p>
             <a:fld id="{29F1A1C5-FB59-4BE0-A3A1-1A52B600C07D}" type="datetimeFigureOut">
               <a:rPr lang="zh-TW" altLang="en-US" smtClean="0"/>
-              <a:t>2019/12/10</a:t>
+              <a:t>2019/12/13</a:t>
             </a:fld>
             <a:endParaRPr lang="zh-TW" altLang="en-US"/>
           </a:p>
@@ -3656,6 +3656,10 @@
               <a:rPr lang="zh-TW" altLang="en-US" dirty="0"/>
               <a:t> 導覽</a:t>
             </a:r>
+            <a:r>
+              <a:rPr lang="en-US" altLang="zh-TW" dirty="0"/>
+              <a:t/>
+            </a:r>
             <a:br>
               <a:rPr lang="en-US" altLang="zh-TW" dirty="0"/>
             </a:br>
@@ -4580,6 +4584,10 @@
               <a:rPr lang="zh-TW" altLang="en-US" dirty="0"/>
               <a:t> 導覽</a:t>
             </a:r>
+            <a:r>
+              <a:rPr lang="en-US" altLang="zh-TW" dirty="0"/>
+              <a:t/>
+            </a:r>
             <a:br>
               <a:rPr lang="en-US" altLang="zh-TW" dirty="0"/>
             </a:br>
@@ -5708,6 +5716,10 @@
             <a:r>
               <a:rPr lang="zh-TW" altLang="en-US" dirty="0"/>
               <a:t> 導覽</a:t>
+            </a:r>
+            <a:r>
+              <a:rPr lang="en-US" altLang="zh-TW" dirty="0"/>
+              <a:t/>
             </a:r>
             <a:br>
               <a:rPr lang="en-US" altLang="zh-TW" dirty="0"/>
@@ -6605,6 +6617,10 @@
               <a:rPr lang="zh-TW" altLang="en-US" dirty="0"/>
               <a:t> 導覽</a:t>
             </a:r>
+            <a:r>
+              <a:rPr lang="en-US" altLang="zh-TW" dirty="0"/>
+              <a:t/>
+            </a:r>
             <a:br>
               <a:rPr lang="en-US" altLang="zh-TW" dirty="0"/>
             </a:br>
@@ -7506,6 +7522,10 @@
             <a:r>
               <a:rPr lang="zh-TW" altLang="en-US" dirty="0"/>
               <a:t> 導覽</a:t>
+            </a:r>
+            <a:r>
+              <a:rPr lang="en-US" altLang="zh-TW" dirty="0"/>
+              <a:t/>
             </a:r>
             <a:br>
               <a:rPr lang="en-US" altLang="zh-TW" dirty="0"/>
